--- a/slides/how_to_write_a_script.pptx
+++ b/slides/how_to_write_a_script.pptx
@@ -13,6 +13,7 @@
     <p:sldId id="261" r:id="rId7"/>
     <p:sldId id="262" r:id="rId8"/>
     <p:sldId id="263" r:id="rId9"/>
+    <p:sldId id="264" r:id="rId10"/>
   </p:sldIdLst>
   <p:sldSz cx="12192000" cy="6858000"/>
   <p:notesSz cx="6858000" cy="9144000"/>
@@ -5769,6 +5770,65 @@
 </p:sld>
 </file>
 
+<file path=ppt/slides/slide9.xml><?xml version="1.0" encoding="utf-8"?>
+<p:sld xmlns:a="http://schemas.openxmlformats.org/drawingml/2006/main" xmlns:r="http://schemas.openxmlformats.org/officeDocument/2006/relationships" xmlns:p="http://schemas.openxmlformats.org/presentationml/2006/main">
+  <p:cSld>
+    <p:spTree>
+      <p:nvGrpSpPr>
+        <p:cNvPr id="1" name=""/>
+        <p:cNvGrpSpPr/>
+        <p:nvPr/>
+      </p:nvGrpSpPr>
+      <p:grpSpPr>
+        <a:xfrm>
+          <a:off x="0" y="0"/>
+          <a:ext cx="0" cy="0"/>
+          <a:chOff x="0" y="0"/>
+          <a:chExt cx="0" cy="0"/>
+        </a:xfrm>
+      </p:grpSpPr>
+      <p:sp>
+        <p:nvSpPr>
+          <p:cNvPr id="3" name="Content Placeholder 2">
+            <a:extLst>
+              <a:ext uri="{FF2B5EF4-FFF2-40B4-BE49-F238E27FC236}">
+                <a16:creationId xmlns:a16="http://schemas.microsoft.com/office/drawing/2014/main" id="{DB0BEE29-071E-4ED4-B0D5-046429DF4F91}"/>
+              </a:ext>
+            </a:extLst>
+          </p:cNvPr>
+          <p:cNvSpPr>
+            <a:spLocks noGrp="1"/>
+          </p:cNvSpPr>
+          <p:nvPr>
+            <p:ph idx="1"/>
+          </p:nvPr>
+        </p:nvSpPr>
+        <p:spPr/>
+        <p:txBody>
+          <a:bodyPr/>
+          <a:lstStyle/>
+          <a:p>
+            <a:pPr lvl="0" marL="0" indent="0">
+              <a:buNone/>
+            </a:pPr>
+            <a:r>
+              <a:rPr/>
+              <a:t>Slides and markdown script is available here: </a:t>
+            </a:r>
+            <a:r>
+              <a:rPr>
+                <a:hlinkClick r:id="rId2"/>
+              </a:rPr>
+              <a:t>https://github.com/thomasbattram/how_to_write_a_script</a:t>
+            </a:r>
+          </a:p>
+        </p:txBody>
+      </p:sp>
+    </p:spTree>
+  </p:cSld>
+</p:sld>
+</file>
+
 <file path=ppt/theme/theme1.xml><?xml version="1.0" encoding="utf-8"?>
 <a:theme xmlns:a="http://schemas.openxmlformats.org/drawingml/2006/main" name="University of Bristol (Main URL)">
   <a:themeElements>

--- a/slides/how_to_write_a_script.pptx
+++ b/slides/how_to_write_a_script.pptx
@@ -4076,17 +4076,27 @@
             <a:pPr lvl="1"/>
             <a:r>
               <a:rPr/>
-              <a:t>Using only base R can make things difficult… –&gt; Packages!</a:t>
+              <a:t>Using only base R can make things difficult… Packages!</a:t>
             </a:r>
           </a:p>
           <a:p>
             <a:pPr lvl="0" marL="0" indent="0">
               <a:buNone/>
             </a:pPr>
-            <a:r>
-              <a:rPr/>
-              <a:t>For example to get data from STATA into R you could manually copy and paste all the info from STATA into an excel spreadsheet and then read in the data with “read.csv()” OR you could use a function from a package that has already found a nice way to read in STATA files.</a:t>
-            </a:r>
+          </a:p>
+          <a:p>
+            <a:pPr lvl="0" marL="0" indent="0">
+              <a:buNone/>
+            </a:pPr>
+            <a:r>
+              <a:rPr/>
+              <a:t>For example, you can use packages to read data in a Stata format directly into R</a:t>
+            </a:r>
+          </a:p>
+          <a:p>
+            <a:pPr lvl="0" marL="0" indent="0">
+              <a:buNone/>
+            </a:pPr>
           </a:p>
           <a:p>
             <a:pPr lvl="0" marL="1270000" indent="0">
@@ -4331,7 +4341,7 @@
                 </a:solidFill>
                 <a:latin typeface="Courier"/>
               </a:rPr>
-              <a:t># 1. Read in the input data</a:t>
+              <a:t># 1. Extract the smoking variables</a:t>
             </a:r>
             <a:br/>
             <a:r>
@@ -4341,7 +4351,7 @@
                 </a:solidFill>
                 <a:latin typeface="Courier"/>
               </a:rPr>
-              <a:t># 2. Extract the smoking variables</a:t>
+              <a:t># 2. Exclude indiviauls with withdrawn consent and too much missing data</a:t>
             </a:r>
             <a:br/>
             <a:r>
@@ -4351,7 +4361,7 @@
                 </a:solidFill>
                 <a:latin typeface="Courier"/>
               </a:rPr>
-              <a:t># 3. Exclude indiviauls with withdrawn consent and too much missing data</a:t>
+              <a:t># 3. Generate pack years variable </a:t>
             </a:r>
             <a:br/>
             <a:r>
@@ -4361,7 +4371,7 @@
                 </a:solidFill>
                 <a:latin typeface="Courier"/>
               </a:rPr>
-              <a:t># 4. Generate pack years variable </a:t>
+              <a:t># 4. Check for outliers</a:t>
             </a:r>
             <a:br/>
             <a:r>
@@ -4371,17 +4381,7 @@
                 </a:solidFill>
                 <a:latin typeface="Courier"/>
               </a:rPr>
-              <a:t># 5. Check for outliers</a:t>
-            </a:r>
-            <a:br/>
-            <a:r>
-              <a:rPr sz="1800" i="1">
-                <a:solidFill>
-                  <a:srgbClr val="60A0B0"/>
-                </a:solidFill>
-                <a:latin typeface="Courier"/>
-              </a:rPr>
-              <a:t># 6. Write out a table with identifiers and pack years variables</a:t>
+              <a:t># 5. Write out a table with identifiers and pack years variables</a:t>
             </a:r>
           </a:p>
         </p:txBody>
@@ -4635,7 +4635,7 @@
                 </a:solidFill>
                 <a:latin typeface="Courier"/>
               </a:rPr>
-              <a:t># 1. Read in the input data</a:t>
+              <a:t># 1. Extract the smoking variables</a:t>
             </a:r>
             <a:br/>
             <a:r>
@@ -4645,7 +4645,7 @@
                 </a:solidFill>
                 <a:latin typeface="Courier"/>
               </a:rPr>
-              <a:t># 2. Extract the smoking variables</a:t>
+              <a:t># 2. Exclude individuals with withdrawn consent and too much missing data</a:t>
             </a:r>
             <a:br/>
             <a:r>
@@ -4655,7 +4655,7 @@
                 </a:solidFill>
                 <a:latin typeface="Courier"/>
               </a:rPr>
-              <a:t># 3. Exclude individuals with withdrawn consent and too much missing data</a:t>
+              <a:t># 3. Generate pack years variable </a:t>
             </a:r>
             <a:br/>
             <a:r>
@@ -4665,7 +4665,7 @@
                 </a:solidFill>
                 <a:latin typeface="Courier"/>
               </a:rPr>
-              <a:t># 4. Generate pack years variable </a:t>
+              <a:t># 4. Check for outliers</a:t>
             </a:r>
             <a:br/>
             <a:r>
@@ -4675,17 +4675,7 @@
                 </a:solidFill>
                 <a:latin typeface="Courier"/>
               </a:rPr>
-              <a:t># 5. Check for outliers</a:t>
-            </a:r>
-            <a:br/>
-            <a:r>
-              <a:rPr sz="1800" i="1">
-                <a:solidFill>
-                  <a:srgbClr val="60A0B0"/>
-                </a:solidFill>
-                <a:latin typeface="Courier"/>
-              </a:rPr>
-              <a:t># 6. Write out a table with identifiers and pack years variables</a:t>
+              <a:t># 5. Write out a table with identifiers and pack years variables</a:t>
             </a:r>
           </a:p>
         </p:txBody>
@@ -4779,7 +4769,7 @@
             <a:pPr lvl="1"/>
             <a:r>
               <a:rPr/>
-              <a:t>As you code more you’ll end up wanting to comment just to explain why things are being done, but to begin with I found it easier to comment what was happening as well as why things are being done.</a:t>
+              <a:t>As you code more you’ll end up wanting to comment just to explain WHY things are being done, but to begin with I found it easier to comment WHAT was happening as well as why things are being done.</a:t>
             </a:r>
           </a:p>
           <a:p>
@@ -5112,7 +5102,7 @@
               <a:rPr sz="1800">
                 <a:latin typeface="Courier"/>
               </a:rPr>
-              <a:t>another.var &lt;-</a:t>
+              <a:t>a.var &lt;-</a:t>
             </a:r>
             <a:r>
               <a:rPr sz="1800">
@@ -5145,7 +5135,7 @@
                 </a:solidFill>
                 <a:latin typeface="Courier"/>
               </a:rPr>
-              <a:t>4</a:t>
+              <a:t>1</a:t>
             </a:r>
             <a:r>
               <a:rPr sz="1800">
@@ -5160,7 +5150,7 @@
                 </a:solidFill>
                 <a:latin typeface="Courier"/>
               </a:rPr>
-              <a:t>5</a:t>
+              <a:t>2</a:t>
             </a:r>
             <a:r>
               <a:rPr sz="1800">
@@ -5175,7 +5165,7 @@
                 </a:solidFill>
                 <a:latin typeface="Courier"/>
               </a:rPr>
-              <a:t>6</a:t>
+              <a:t>3</a:t>
             </a:r>
             <a:r>
               <a:rPr sz="1800">
@@ -5188,7 +5178,7 @@
               <a:rPr sz="1800">
                 <a:latin typeface="Courier"/>
               </a:rPr>
-              <a:t>anotherVar &lt;-</a:t>
+              <a:t>aVar &lt;-</a:t>
             </a:r>
             <a:r>
               <a:rPr sz="1800">
@@ -5221,7 +5211,7 @@
                 </a:solidFill>
                 <a:latin typeface="Courier"/>
               </a:rPr>
-              <a:t>7</a:t>
+              <a:t>1</a:t>
             </a:r>
             <a:r>
               <a:rPr sz="1800">
@@ -5236,7 +5226,7 @@
                 </a:solidFill>
                 <a:latin typeface="Courier"/>
               </a:rPr>
-              <a:t>8</a:t>
+              <a:t>2</a:t>
             </a:r>
             <a:r>
               <a:rPr sz="1800">
@@ -5251,7 +5241,7 @@
                 </a:solidFill>
                 <a:latin typeface="Courier"/>
               </a:rPr>
-              <a:t>9</a:t>
+              <a:t>3</a:t>
             </a:r>
             <a:r>
               <a:rPr sz="1800">
@@ -5259,82 +5249,11 @@
               </a:rPr>
               <a:t>)</a:t>
             </a:r>
-            <a:br/>
-            <a:r>
-              <a:rPr sz="1800">
-                <a:latin typeface="Courier"/>
-              </a:rPr>
-              <a:t>AnoTherVAr &lt;-</a:t>
-            </a:r>
-            <a:r>
-              <a:rPr sz="1800">
-                <a:solidFill>
-                  <a:srgbClr val="4070A0"/>
-                </a:solidFill>
-                <a:latin typeface="Courier"/>
-              </a:rPr>
-              <a:t> </a:t>
-            </a:r>
-            <a:r>
-              <a:rPr sz="1800" b="1">
-                <a:solidFill>
-                  <a:srgbClr val="007020"/>
-                </a:solidFill>
-                <a:latin typeface="Courier"/>
-              </a:rPr>
-              <a:t>c</a:t>
-            </a:r>
-            <a:r>
-              <a:rPr sz="1800">
-                <a:latin typeface="Courier"/>
-              </a:rPr>
-              <a:t>(</a:t>
-            </a:r>
-            <a:r>
-              <a:rPr sz="1800">
-                <a:solidFill>
-                  <a:srgbClr val="40A070"/>
-                </a:solidFill>
-                <a:latin typeface="Courier"/>
-              </a:rPr>
-              <a:t>10</a:t>
-            </a:r>
-            <a:r>
-              <a:rPr sz="1800">
-                <a:latin typeface="Courier"/>
-              </a:rPr>
-              <a:t>, </a:t>
-            </a:r>
-            <a:r>
-              <a:rPr sz="1800">
-                <a:solidFill>
-                  <a:srgbClr val="40A070"/>
-                </a:solidFill>
-                <a:latin typeface="Courier"/>
-              </a:rPr>
-              <a:t>11</a:t>
-            </a:r>
-            <a:r>
-              <a:rPr sz="1800">
-                <a:latin typeface="Courier"/>
-              </a:rPr>
-              <a:t>, </a:t>
-            </a:r>
-            <a:r>
-              <a:rPr sz="1800">
-                <a:solidFill>
-                  <a:srgbClr val="40A070"/>
-                </a:solidFill>
-                <a:latin typeface="Courier"/>
-              </a:rPr>
-              <a:t>12</a:t>
-            </a:r>
-            <a:r>
-              <a:rPr sz="1800">
-                <a:latin typeface="Courier"/>
-              </a:rPr>
-              <a:t>)</a:t>
-            </a:r>
+          </a:p>
+          <a:p>
+            <a:pPr lvl="0" marL="0" indent="0">
+              <a:buNone/>
+            </a:pPr>
           </a:p>
           <a:p>
             <a:pPr lvl="1">

--- a/slides/how_to_write_a_script.pptx
+++ b/slides/how_to_write_a_script.pptx
@@ -3603,13 +3603,23 @@
               <a:rPr dirty="0"/>
               <a:t>Code with a # before it does not get run</a:t>
             </a:r>
+            <a:r>
+              <a:rPr lang="en-GB" dirty="0"/>
+              <a:t> when pushed to the console</a:t>
+            </a:r>
+            <a:endParaRPr dirty="0"/>
           </a:p>
           <a:p>
             <a:pPr lvl="1"/>
             <a:r>
               <a:rPr dirty="0"/>
-              <a:t>This is useful for making your scripts much easier to read!</a:t>
-            </a:r>
+              <a:t>This is useful for </a:t>
+            </a:r>
+            <a:r>
+              <a:rPr lang="en-GB" dirty="0"/>
+              <a:t>making your scripts much easier to read!</a:t>
+            </a:r>
+            <a:endParaRPr dirty="0"/>
           </a:p>
           <a:p>
             <a:pPr lvl="1"/>
@@ -4396,6 +4406,17 @@
               <a:rPr dirty="0"/>
               <a:t>Write out each step</a:t>
             </a:r>
+          </a:p>
+          <a:p>
+            <a:pPr marL="1270000" lvl="0" indent="0">
+              <a:buNone/>
+            </a:pPr>
+            <a:endParaRPr lang="en-GB" sz="1600" i="1" dirty="0">
+              <a:solidFill>
+                <a:srgbClr val="60A0B0"/>
+              </a:solidFill>
+              <a:latin typeface="Courier"/>
+            </a:endParaRPr>
           </a:p>
           <a:p>
             <a:pPr marL="1270000" lvl="0" indent="0">

--- a/slides/how_to_write_a_script.pptx
+++ b/slides/how_to_write_a_script.pptx
@@ -18,6 +18,12 @@
     <p:sldId id="266" r:id="rId12"/>
     <p:sldId id="267" r:id="rId13"/>
     <p:sldId id="268" r:id="rId14"/>
+    <p:sldId id="269" r:id="rId15"/>
+    <p:sldId id="270" r:id="rId16"/>
+    <p:sldId id="271" r:id="rId17"/>
+    <p:sldId id="272" r:id="rId18"/>
+    <p:sldId id="273" r:id="rId19"/>
+    <p:sldId id="274" r:id="rId20"/>
   </p:sldIdLst>
   <p:sldSz cx="12192000" cy="6858000"/>
   <p:notesSz cx="6858000" cy="9144000"/>
@@ -483,7 +489,7 @@
             <a:fld id="{3E2C485A-CFD1-4426-A587-FCC12D6AD237}" type="datetime1">
               <a:rPr lang="en-GB" smtClean="0"/>
               <a:pPr/>
-              <a:t>17/02/2020</a:t>
+              <a:t>12/02/2020</a:t>
             </a:fld>
             <a:endParaRPr lang="en-GB" dirty="0"/>
           </a:p>
@@ -556,6 +562,356 @@
     <p:extLst>
       <p:ext uri="{BB962C8B-B14F-4D97-AF65-F5344CB8AC3E}">
         <p14:creationId xmlns:p14="http://schemas.microsoft.com/office/powerpoint/2010/main" val="2824598068"/>
+      </p:ext>
+    </p:extLst>
+  </p:cSld>
+  <p:clrMapOvr>
+    <a:masterClrMapping/>
+  </p:clrMapOvr>
+</p:sldLayout>
+</file>
+
+<file path=ppt/slideLayouts/slideLayout10.xml><?xml version="1.0" encoding="utf-8"?>
+<p:sldLayout xmlns:a="http://schemas.openxmlformats.org/drawingml/2006/main" xmlns:r="http://schemas.openxmlformats.org/officeDocument/2006/relationships" xmlns:p="http://schemas.openxmlformats.org/presentationml/2006/main" type="vertTx" preserve="1">
+  <p:cSld name="Title and Vertical Text">
+    <p:spTree>
+      <p:nvGrpSpPr>
+        <p:cNvPr id="1" name=""/>
+        <p:cNvGrpSpPr/>
+        <p:nvPr/>
+      </p:nvGrpSpPr>
+      <p:grpSpPr>
+        <a:xfrm>
+          <a:off x="0" y="0"/>
+          <a:ext cx="0" cy="0"/>
+          <a:chOff x="0" y="0"/>
+          <a:chExt cx="0" cy="0"/>
+        </a:xfrm>
+      </p:grpSpPr>
+      <p:sp>
+        <p:nvSpPr>
+          <p:cNvPr id="2" name="Title 1"/>
+          <p:cNvSpPr>
+            <a:spLocks noGrp="1"/>
+          </p:cNvSpPr>
+          <p:nvPr>
+            <p:ph type="title"/>
+          </p:nvPr>
+        </p:nvSpPr>
+        <p:spPr/>
+        <p:txBody>
+          <a:bodyPr/>
+          <a:lstStyle/>
+          <a:p>
+            <a:r>
+              <a:rPr lang="en-US" smtClean="0"/>
+              <a:t>Click to edit Master title style</a:t>
+            </a:r>
+            <a:endParaRPr lang="en-US"/>
+          </a:p>
+        </p:txBody>
+      </p:sp>
+      <p:sp>
+        <p:nvSpPr>
+          <p:cNvPr id="3" name="Vertical Text Placeholder 2"/>
+          <p:cNvSpPr>
+            <a:spLocks noGrp="1"/>
+          </p:cNvSpPr>
+          <p:nvPr>
+            <p:ph type="body" orient="vert" idx="1"/>
+          </p:nvPr>
+        </p:nvSpPr>
+        <p:spPr/>
+        <p:txBody>
+          <a:bodyPr vert="eaVert"/>
+          <a:lstStyle/>
+          <a:p>
+            <a:pPr lvl="0"/>
+            <a:r>
+              <a:rPr lang="en-US" smtClean="0"/>
+              <a:t>Click to edit Master text styles</a:t>
+            </a:r>
+          </a:p>
+          <a:p>
+            <a:pPr lvl="1"/>
+            <a:r>
+              <a:rPr lang="en-US" smtClean="0"/>
+              <a:t>Second level</a:t>
+            </a:r>
+          </a:p>
+          <a:p>
+            <a:pPr lvl="2"/>
+            <a:r>
+              <a:rPr lang="en-US" smtClean="0"/>
+              <a:t>Third level</a:t>
+            </a:r>
+          </a:p>
+          <a:p>
+            <a:pPr lvl="3"/>
+            <a:r>
+              <a:rPr lang="en-US" smtClean="0"/>
+              <a:t>Fourth level</a:t>
+            </a:r>
+          </a:p>
+          <a:p>
+            <a:pPr lvl="4"/>
+            <a:r>
+              <a:rPr lang="en-US" smtClean="0"/>
+              <a:t>Fifth level</a:t>
+            </a:r>
+            <a:endParaRPr lang="en-US"/>
+          </a:p>
+        </p:txBody>
+      </p:sp>
+      <p:sp>
+        <p:nvSpPr>
+          <p:cNvPr id="4" name="Date Placeholder 3"/>
+          <p:cNvSpPr>
+            <a:spLocks noGrp="1"/>
+          </p:cNvSpPr>
+          <p:nvPr>
+            <p:ph type="dt" sz="half" idx="10"/>
+          </p:nvPr>
+        </p:nvSpPr>
+        <p:spPr/>
+        <p:txBody>
+          <a:bodyPr/>
+          <a:lstStyle/>
+          <a:p>
+            <a:fld id="{241EB5C9-1307-BA42-ABA2-0BC069CD8E7F}" type="datetimeFigureOut">
+              <a:rPr lang="en-US" smtClean="0"/>
+              <a:t>4/5/2019</a:t>
+            </a:fld>
+            <a:endParaRPr lang="en-US"/>
+          </a:p>
+        </p:txBody>
+      </p:sp>
+      <p:sp>
+        <p:nvSpPr>
+          <p:cNvPr id="5" name="Footer Placeholder 4"/>
+          <p:cNvSpPr>
+            <a:spLocks noGrp="1"/>
+          </p:cNvSpPr>
+          <p:nvPr>
+            <p:ph type="ftr" sz="quarter" idx="11"/>
+          </p:nvPr>
+        </p:nvSpPr>
+        <p:spPr/>
+        <p:txBody>
+          <a:bodyPr/>
+          <a:lstStyle/>
+          <a:p>
+            <a:endParaRPr lang="en-US"/>
+          </a:p>
+        </p:txBody>
+      </p:sp>
+      <p:sp>
+        <p:nvSpPr>
+          <p:cNvPr id="6" name="Slide Number Placeholder 5"/>
+          <p:cNvSpPr>
+            <a:spLocks noGrp="1"/>
+          </p:cNvSpPr>
+          <p:nvPr>
+            <p:ph type="sldNum" sz="quarter" idx="12"/>
+          </p:nvPr>
+        </p:nvSpPr>
+        <p:spPr/>
+        <p:txBody>
+          <a:bodyPr/>
+          <a:lstStyle/>
+          <a:p>
+            <a:fld id="{C5EF2332-01BF-834F-8236-50238282D533}" type="slidenum">
+              <a:rPr lang="en-US" smtClean="0"/>
+              <a:t>‹#›</a:t>
+            </a:fld>
+            <a:endParaRPr lang="en-US"/>
+          </a:p>
+        </p:txBody>
+      </p:sp>
+    </p:spTree>
+    <p:extLst>
+      <p:ext uri="{BB962C8B-B14F-4D97-AF65-F5344CB8AC3E}">
+        <p14:creationId xmlns:p14="http://schemas.microsoft.com/office/powerpoint/2010/main" val="313914798"/>
+      </p:ext>
+    </p:extLst>
+  </p:cSld>
+  <p:clrMapOvr>
+    <a:masterClrMapping/>
+  </p:clrMapOvr>
+</p:sldLayout>
+</file>
+
+<file path=ppt/slideLayouts/slideLayout11.xml><?xml version="1.0" encoding="utf-8"?>
+<p:sldLayout xmlns:a="http://schemas.openxmlformats.org/drawingml/2006/main" xmlns:r="http://schemas.openxmlformats.org/officeDocument/2006/relationships" xmlns:p="http://schemas.openxmlformats.org/presentationml/2006/main" type="vertTitleAndTx" preserve="1">
+  <p:cSld name="Vertical Title and Text">
+    <p:spTree>
+      <p:nvGrpSpPr>
+        <p:cNvPr id="1" name=""/>
+        <p:cNvGrpSpPr/>
+        <p:nvPr/>
+      </p:nvGrpSpPr>
+      <p:grpSpPr>
+        <a:xfrm>
+          <a:off x="0" y="0"/>
+          <a:ext cx="0" cy="0"/>
+          <a:chOff x="0" y="0"/>
+          <a:chExt cx="0" cy="0"/>
+        </a:xfrm>
+      </p:grpSpPr>
+      <p:sp>
+        <p:nvSpPr>
+          <p:cNvPr id="2" name="Vertical Title 1"/>
+          <p:cNvSpPr>
+            <a:spLocks noGrp="1"/>
+          </p:cNvSpPr>
+          <p:nvPr>
+            <p:ph type="title" orient="vert"/>
+          </p:nvPr>
+        </p:nvSpPr>
+        <p:spPr>
+          <a:xfrm>
+            <a:off x="6629400" y="274638"/>
+            <a:ext cx="2057400" cy="5851525"/>
+          </a:xfrm>
+        </p:spPr>
+        <p:txBody>
+          <a:bodyPr vert="eaVert"/>
+          <a:lstStyle/>
+          <a:p>
+            <a:r>
+              <a:rPr lang="en-US" smtClean="0"/>
+              <a:t>Click to edit Master title style</a:t>
+            </a:r>
+            <a:endParaRPr lang="en-US"/>
+          </a:p>
+        </p:txBody>
+      </p:sp>
+      <p:sp>
+        <p:nvSpPr>
+          <p:cNvPr id="3" name="Vertical Text Placeholder 2"/>
+          <p:cNvSpPr>
+            <a:spLocks noGrp="1"/>
+          </p:cNvSpPr>
+          <p:nvPr>
+            <p:ph type="body" orient="vert" idx="1"/>
+          </p:nvPr>
+        </p:nvSpPr>
+        <p:spPr>
+          <a:xfrm>
+            <a:off x="457200" y="274638"/>
+            <a:ext cx="6019800" cy="5851525"/>
+          </a:xfrm>
+        </p:spPr>
+        <p:txBody>
+          <a:bodyPr vert="eaVert"/>
+          <a:lstStyle/>
+          <a:p>
+            <a:pPr lvl="0"/>
+            <a:r>
+              <a:rPr lang="en-US" smtClean="0"/>
+              <a:t>Click to edit Master text styles</a:t>
+            </a:r>
+          </a:p>
+          <a:p>
+            <a:pPr lvl="1"/>
+            <a:r>
+              <a:rPr lang="en-US" smtClean="0"/>
+              <a:t>Second level</a:t>
+            </a:r>
+          </a:p>
+          <a:p>
+            <a:pPr lvl="2"/>
+            <a:r>
+              <a:rPr lang="en-US" smtClean="0"/>
+              <a:t>Third level</a:t>
+            </a:r>
+          </a:p>
+          <a:p>
+            <a:pPr lvl="3"/>
+            <a:r>
+              <a:rPr lang="en-US" smtClean="0"/>
+              <a:t>Fourth level</a:t>
+            </a:r>
+          </a:p>
+          <a:p>
+            <a:pPr lvl="4"/>
+            <a:r>
+              <a:rPr lang="en-US" smtClean="0"/>
+              <a:t>Fifth level</a:t>
+            </a:r>
+            <a:endParaRPr lang="en-US"/>
+          </a:p>
+        </p:txBody>
+      </p:sp>
+      <p:sp>
+        <p:nvSpPr>
+          <p:cNvPr id="4" name="Date Placeholder 3"/>
+          <p:cNvSpPr>
+            <a:spLocks noGrp="1"/>
+          </p:cNvSpPr>
+          <p:nvPr>
+            <p:ph type="dt" sz="half" idx="10"/>
+          </p:nvPr>
+        </p:nvSpPr>
+        <p:spPr/>
+        <p:txBody>
+          <a:bodyPr/>
+          <a:lstStyle/>
+          <a:p>
+            <a:fld id="{241EB5C9-1307-BA42-ABA2-0BC069CD8E7F}" type="datetimeFigureOut">
+              <a:rPr lang="en-US" smtClean="0"/>
+              <a:t>4/5/2019</a:t>
+            </a:fld>
+            <a:endParaRPr lang="en-US"/>
+          </a:p>
+        </p:txBody>
+      </p:sp>
+      <p:sp>
+        <p:nvSpPr>
+          <p:cNvPr id="5" name="Footer Placeholder 4"/>
+          <p:cNvSpPr>
+            <a:spLocks noGrp="1"/>
+          </p:cNvSpPr>
+          <p:nvPr>
+            <p:ph type="ftr" sz="quarter" idx="11"/>
+          </p:nvPr>
+        </p:nvSpPr>
+        <p:spPr/>
+        <p:txBody>
+          <a:bodyPr/>
+          <a:lstStyle/>
+          <a:p>
+            <a:endParaRPr lang="en-US"/>
+          </a:p>
+        </p:txBody>
+      </p:sp>
+      <p:sp>
+        <p:nvSpPr>
+          <p:cNvPr id="6" name="Slide Number Placeholder 5"/>
+          <p:cNvSpPr>
+            <a:spLocks noGrp="1"/>
+          </p:cNvSpPr>
+          <p:nvPr>
+            <p:ph type="sldNum" sz="quarter" idx="12"/>
+          </p:nvPr>
+        </p:nvSpPr>
+        <p:spPr/>
+        <p:txBody>
+          <a:bodyPr/>
+          <a:lstStyle/>
+          <a:p>
+            <a:fld id="{C5EF2332-01BF-834F-8236-50238282D533}" type="slidenum">
+              <a:rPr lang="en-US" smtClean="0"/>
+              <a:t>‹#›</a:t>
+            </a:fld>
+            <a:endParaRPr lang="en-US"/>
+          </a:p>
+        </p:txBody>
+      </p:sp>
+    </p:spTree>
+    <p:extLst>
+      <p:ext uri="{BB962C8B-B14F-4D97-AF65-F5344CB8AC3E}">
+        <p14:creationId xmlns:p14="http://schemas.microsoft.com/office/powerpoint/2010/main" val="2581529045"/>
       </p:ext>
     </p:extLst>
   </p:cSld>
@@ -978,7 +1334,7 @@
             <a:fld id="{D904E3C7-3434-41F6-8009-C52959A159FA}" type="datetime1">
               <a:rPr lang="en-GB" smtClean="0"/>
               <a:pPr/>
-              <a:t>17/02/2020</a:t>
+              <a:t>12/02/2020</a:t>
             </a:fld>
             <a:endParaRPr lang="en-GB" dirty="0"/>
           </a:p>
@@ -1669,7 +2025,7 @@
           <a:p>
             <a:fld id="{32E1EA51-7FC3-9141-9D0C-B47C1CD1DF00}" type="datetimeFigureOut">
               <a:rPr lang="en-GB" smtClean="0"/>
-              <a:t>17/02/2020</a:t>
+              <a:t>12/02/2020</a:t>
             </a:fld>
             <a:endParaRPr lang="en-GB"/>
           </a:p>
@@ -1733,6 +2089,749 @@
     <p:extLst>
       <p:ext uri="{BB962C8B-B14F-4D97-AF65-F5344CB8AC3E}">
         <p14:creationId xmlns:p14="http://schemas.microsoft.com/office/powerpoint/2010/main" val="1908595875"/>
+      </p:ext>
+    </p:extLst>
+  </p:cSld>
+  <p:clrMapOvr>
+    <a:masterClrMapping/>
+  </p:clrMapOvr>
+</p:sldLayout>
+</file>
+
+<file path=ppt/slideLayouts/slideLayout6.xml><?xml version="1.0" encoding="utf-8"?>
+<p:sldLayout xmlns:a="http://schemas.openxmlformats.org/drawingml/2006/main" xmlns:r="http://schemas.openxmlformats.org/officeDocument/2006/relationships" xmlns:p="http://schemas.openxmlformats.org/presentationml/2006/main" type="titleOnly" preserve="1">
+  <p:cSld name="Title Only">
+    <p:spTree>
+      <p:nvGrpSpPr>
+        <p:cNvPr id="1" name=""/>
+        <p:cNvGrpSpPr/>
+        <p:nvPr/>
+      </p:nvGrpSpPr>
+      <p:grpSpPr>
+        <a:xfrm>
+          <a:off x="0" y="0"/>
+          <a:ext cx="0" cy="0"/>
+          <a:chOff x="0" y="0"/>
+          <a:chExt cx="0" cy="0"/>
+        </a:xfrm>
+      </p:grpSpPr>
+      <p:sp>
+        <p:nvSpPr>
+          <p:cNvPr id="2" name="Title 1"/>
+          <p:cNvSpPr>
+            <a:spLocks noGrp="1"/>
+          </p:cNvSpPr>
+          <p:nvPr>
+            <p:ph type="title"/>
+          </p:nvPr>
+        </p:nvSpPr>
+        <p:spPr/>
+        <p:txBody>
+          <a:bodyPr/>
+          <a:lstStyle/>
+          <a:p>
+            <a:r>
+              <a:rPr lang="en-US" smtClean="0"/>
+              <a:t>Click to edit Master title style</a:t>
+            </a:r>
+            <a:endParaRPr lang="en-US"/>
+          </a:p>
+        </p:txBody>
+      </p:sp>
+      <p:sp>
+        <p:nvSpPr>
+          <p:cNvPr id="3" name="Date Placeholder 2"/>
+          <p:cNvSpPr>
+            <a:spLocks noGrp="1"/>
+          </p:cNvSpPr>
+          <p:nvPr>
+            <p:ph type="dt" sz="half" idx="10"/>
+          </p:nvPr>
+        </p:nvSpPr>
+        <p:spPr/>
+        <p:txBody>
+          <a:bodyPr/>
+          <a:lstStyle/>
+          <a:p>
+            <a:fld id="{241EB5C9-1307-BA42-ABA2-0BC069CD8E7F}" type="datetimeFigureOut">
+              <a:rPr lang="en-US" smtClean="0"/>
+              <a:t>4/5/2019</a:t>
+            </a:fld>
+            <a:endParaRPr lang="en-US"/>
+          </a:p>
+        </p:txBody>
+      </p:sp>
+      <p:sp>
+        <p:nvSpPr>
+          <p:cNvPr id="4" name="Footer Placeholder 3"/>
+          <p:cNvSpPr>
+            <a:spLocks noGrp="1"/>
+          </p:cNvSpPr>
+          <p:nvPr>
+            <p:ph type="ftr" sz="quarter" idx="11"/>
+          </p:nvPr>
+        </p:nvSpPr>
+        <p:spPr/>
+        <p:txBody>
+          <a:bodyPr/>
+          <a:lstStyle/>
+          <a:p>
+            <a:endParaRPr lang="en-US"/>
+          </a:p>
+        </p:txBody>
+      </p:sp>
+      <p:sp>
+        <p:nvSpPr>
+          <p:cNvPr id="5" name="Slide Number Placeholder 4"/>
+          <p:cNvSpPr>
+            <a:spLocks noGrp="1"/>
+          </p:cNvSpPr>
+          <p:nvPr>
+            <p:ph type="sldNum" sz="quarter" idx="12"/>
+          </p:nvPr>
+        </p:nvSpPr>
+        <p:spPr/>
+        <p:txBody>
+          <a:bodyPr/>
+          <a:lstStyle/>
+          <a:p>
+            <a:fld id="{C5EF2332-01BF-834F-8236-50238282D533}" type="slidenum">
+              <a:rPr lang="en-US" smtClean="0"/>
+              <a:t>‹#›</a:t>
+            </a:fld>
+            <a:endParaRPr lang="en-US"/>
+          </a:p>
+        </p:txBody>
+      </p:sp>
+    </p:spTree>
+    <p:extLst>
+      <p:ext uri="{BB962C8B-B14F-4D97-AF65-F5344CB8AC3E}">
+        <p14:creationId xmlns:p14="http://schemas.microsoft.com/office/powerpoint/2010/main" val="3472721253"/>
+      </p:ext>
+    </p:extLst>
+  </p:cSld>
+  <p:clrMapOvr>
+    <a:masterClrMapping/>
+  </p:clrMapOvr>
+</p:sldLayout>
+</file>
+
+<file path=ppt/slideLayouts/slideLayout7.xml><?xml version="1.0" encoding="utf-8"?>
+<p:sldLayout xmlns:a="http://schemas.openxmlformats.org/drawingml/2006/main" xmlns:r="http://schemas.openxmlformats.org/officeDocument/2006/relationships" xmlns:p="http://schemas.openxmlformats.org/presentationml/2006/main" type="blank" preserve="1">
+  <p:cSld name="Blank">
+    <p:spTree>
+      <p:nvGrpSpPr>
+        <p:cNvPr id="1" name=""/>
+        <p:cNvGrpSpPr/>
+        <p:nvPr/>
+      </p:nvGrpSpPr>
+      <p:grpSpPr>
+        <a:xfrm>
+          <a:off x="0" y="0"/>
+          <a:ext cx="0" cy="0"/>
+          <a:chOff x="0" y="0"/>
+          <a:chExt cx="0" cy="0"/>
+        </a:xfrm>
+      </p:grpSpPr>
+      <p:sp>
+        <p:nvSpPr>
+          <p:cNvPr id="2" name="Date Placeholder 1"/>
+          <p:cNvSpPr>
+            <a:spLocks noGrp="1"/>
+          </p:cNvSpPr>
+          <p:nvPr>
+            <p:ph type="dt" sz="half" idx="10"/>
+          </p:nvPr>
+        </p:nvSpPr>
+        <p:spPr/>
+        <p:txBody>
+          <a:bodyPr/>
+          <a:lstStyle/>
+          <a:p>
+            <a:fld id="{241EB5C9-1307-BA42-ABA2-0BC069CD8E7F}" type="datetimeFigureOut">
+              <a:rPr lang="en-US" smtClean="0"/>
+              <a:t>4/5/2019</a:t>
+            </a:fld>
+            <a:endParaRPr lang="en-US"/>
+          </a:p>
+        </p:txBody>
+      </p:sp>
+      <p:sp>
+        <p:nvSpPr>
+          <p:cNvPr id="3" name="Footer Placeholder 2"/>
+          <p:cNvSpPr>
+            <a:spLocks noGrp="1"/>
+          </p:cNvSpPr>
+          <p:nvPr>
+            <p:ph type="ftr" sz="quarter" idx="11"/>
+          </p:nvPr>
+        </p:nvSpPr>
+        <p:spPr/>
+        <p:txBody>
+          <a:bodyPr/>
+          <a:lstStyle/>
+          <a:p>
+            <a:endParaRPr lang="en-US"/>
+          </a:p>
+        </p:txBody>
+      </p:sp>
+      <p:sp>
+        <p:nvSpPr>
+          <p:cNvPr id="4" name="Slide Number Placeholder 3"/>
+          <p:cNvSpPr>
+            <a:spLocks noGrp="1"/>
+          </p:cNvSpPr>
+          <p:nvPr>
+            <p:ph type="sldNum" sz="quarter" idx="12"/>
+          </p:nvPr>
+        </p:nvSpPr>
+        <p:spPr/>
+        <p:txBody>
+          <a:bodyPr/>
+          <a:lstStyle/>
+          <a:p>
+            <a:fld id="{C5EF2332-01BF-834F-8236-50238282D533}" type="slidenum">
+              <a:rPr lang="en-US" smtClean="0"/>
+              <a:t>‹#›</a:t>
+            </a:fld>
+            <a:endParaRPr lang="en-US"/>
+          </a:p>
+        </p:txBody>
+      </p:sp>
+    </p:spTree>
+    <p:extLst>
+      <p:ext uri="{BB962C8B-B14F-4D97-AF65-F5344CB8AC3E}">
+        <p14:creationId xmlns:p14="http://schemas.microsoft.com/office/powerpoint/2010/main" val="2130901097"/>
+      </p:ext>
+    </p:extLst>
+  </p:cSld>
+  <p:clrMapOvr>
+    <a:masterClrMapping/>
+  </p:clrMapOvr>
+</p:sldLayout>
+</file>
+
+<file path=ppt/slideLayouts/slideLayout8.xml><?xml version="1.0" encoding="utf-8"?>
+<p:sldLayout xmlns:a="http://schemas.openxmlformats.org/drawingml/2006/main" xmlns:r="http://schemas.openxmlformats.org/officeDocument/2006/relationships" xmlns:p="http://schemas.openxmlformats.org/presentationml/2006/main" type="objTx" preserve="1">
+  <p:cSld name="Content with Caption">
+    <p:spTree>
+      <p:nvGrpSpPr>
+        <p:cNvPr id="1" name=""/>
+        <p:cNvGrpSpPr/>
+        <p:nvPr/>
+      </p:nvGrpSpPr>
+      <p:grpSpPr>
+        <a:xfrm>
+          <a:off x="0" y="0"/>
+          <a:ext cx="0" cy="0"/>
+          <a:chOff x="0" y="0"/>
+          <a:chExt cx="0" cy="0"/>
+        </a:xfrm>
+      </p:grpSpPr>
+      <p:sp>
+        <p:nvSpPr>
+          <p:cNvPr id="2" name="Title 1"/>
+          <p:cNvSpPr>
+            <a:spLocks noGrp="1"/>
+          </p:cNvSpPr>
+          <p:nvPr>
+            <p:ph type="title"/>
+          </p:nvPr>
+        </p:nvSpPr>
+        <p:spPr>
+          <a:xfrm>
+            <a:off x="457200" y="273050"/>
+            <a:ext cx="3008313" cy="1162050"/>
+          </a:xfrm>
+        </p:spPr>
+        <p:txBody>
+          <a:bodyPr anchor="b"/>
+          <a:lstStyle>
+            <a:lvl1pPr algn="l">
+              <a:defRPr sz="2000" b="1"/>
+            </a:lvl1pPr>
+          </a:lstStyle>
+          <a:p>
+            <a:r>
+              <a:rPr lang="en-US" smtClean="0"/>
+              <a:t>Click to edit Master title style</a:t>
+            </a:r>
+            <a:endParaRPr lang="en-US"/>
+          </a:p>
+        </p:txBody>
+      </p:sp>
+      <p:sp>
+        <p:nvSpPr>
+          <p:cNvPr id="3" name="Content Placeholder 2"/>
+          <p:cNvSpPr>
+            <a:spLocks noGrp="1"/>
+          </p:cNvSpPr>
+          <p:nvPr>
+            <p:ph idx="1"/>
+          </p:nvPr>
+        </p:nvSpPr>
+        <p:spPr>
+          <a:xfrm>
+            <a:off x="3575050" y="273050"/>
+            <a:ext cx="5111750" cy="5853113"/>
+          </a:xfrm>
+        </p:spPr>
+        <p:txBody>
+          <a:bodyPr/>
+          <a:lstStyle>
+            <a:lvl1pPr>
+              <a:defRPr sz="3200"/>
+            </a:lvl1pPr>
+            <a:lvl2pPr>
+              <a:defRPr sz="2800"/>
+            </a:lvl2pPr>
+            <a:lvl3pPr>
+              <a:defRPr sz="2400"/>
+            </a:lvl3pPr>
+            <a:lvl4pPr>
+              <a:defRPr sz="2000"/>
+            </a:lvl4pPr>
+            <a:lvl5pPr>
+              <a:defRPr sz="2000"/>
+            </a:lvl5pPr>
+            <a:lvl6pPr>
+              <a:defRPr sz="2000"/>
+            </a:lvl6pPr>
+            <a:lvl7pPr>
+              <a:defRPr sz="2000"/>
+            </a:lvl7pPr>
+            <a:lvl8pPr>
+              <a:defRPr sz="2000"/>
+            </a:lvl8pPr>
+            <a:lvl9pPr>
+              <a:defRPr sz="2000"/>
+            </a:lvl9pPr>
+          </a:lstStyle>
+          <a:p>
+            <a:pPr lvl="0"/>
+            <a:r>
+              <a:rPr lang="en-US" smtClean="0"/>
+              <a:t>Click to edit Master text styles</a:t>
+            </a:r>
+          </a:p>
+          <a:p>
+            <a:pPr lvl="1"/>
+            <a:r>
+              <a:rPr lang="en-US" smtClean="0"/>
+              <a:t>Second level</a:t>
+            </a:r>
+          </a:p>
+          <a:p>
+            <a:pPr lvl="2"/>
+            <a:r>
+              <a:rPr lang="en-US" smtClean="0"/>
+              <a:t>Third level</a:t>
+            </a:r>
+          </a:p>
+          <a:p>
+            <a:pPr lvl="3"/>
+            <a:r>
+              <a:rPr lang="en-US" smtClean="0"/>
+              <a:t>Fourth level</a:t>
+            </a:r>
+          </a:p>
+          <a:p>
+            <a:pPr lvl="4"/>
+            <a:r>
+              <a:rPr lang="en-US" smtClean="0"/>
+              <a:t>Fifth level</a:t>
+            </a:r>
+            <a:endParaRPr lang="en-US"/>
+          </a:p>
+        </p:txBody>
+      </p:sp>
+      <p:sp>
+        <p:nvSpPr>
+          <p:cNvPr id="4" name="Text Placeholder 3"/>
+          <p:cNvSpPr>
+            <a:spLocks noGrp="1"/>
+          </p:cNvSpPr>
+          <p:nvPr>
+            <p:ph type="body" sz="half" idx="2"/>
+          </p:nvPr>
+        </p:nvSpPr>
+        <p:spPr>
+          <a:xfrm>
+            <a:off x="457200" y="1435100"/>
+            <a:ext cx="3008313" cy="4691063"/>
+          </a:xfrm>
+        </p:spPr>
+        <p:txBody>
+          <a:bodyPr/>
+          <a:lstStyle>
+            <a:lvl1pPr marL="0" indent="0">
+              <a:buNone/>
+              <a:defRPr sz="1400"/>
+            </a:lvl1pPr>
+            <a:lvl2pPr marL="457200" indent="0">
+              <a:buNone/>
+              <a:defRPr sz="1200"/>
+            </a:lvl2pPr>
+            <a:lvl3pPr marL="914400" indent="0">
+              <a:buNone/>
+              <a:defRPr sz="1000"/>
+            </a:lvl3pPr>
+            <a:lvl4pPr marL="1371600" indent="0">
+              <a:buNone/>
+              <a:defRPr sz="900"/>
+            </a:lvl4pPr>
+            <a:lvl5pPr marL="1828800" indent="0">
+              <a:buNone/>
+              <a:defRPr sz="900"/>
+            </a:lvl5pPr>
+            <a:lvl6pPr marL="2286000" indent="0">
+              <a:buNone/>
+              <a:defRPr sz="900"/>
+            </a:lvl6pPr>
+            <a:lvl7pPr marL="2743200" indent="0">
+              <a:buNone/>
+              <a:defRPr sz="900"/>
+            </a:lvl7pPr>
+            <a:lvl8pPr marL="3200400" indent="0">
+              <a:buNone/>
+              <a:defRPr sz="900"/>
+            </a:lvl8pPr>
+            <a:lvl9pPr marL="3657600" indent="0">
+              <a:buNone/>
+              <a:defRPr sz="900"/>
+            </a:lvl9pPr>
+          </a:lstStyle>
+          <a:p>
+            <a:pPr lvl="0"/>
+            <a:r>
+              <a:rPr lang="en-US" smtClean="0"/>
+              <a:t>Click to edit Master text styles</a:t>
+            </a:r>
+          </a:p>
+        </p:txBody>
+      </p:sp>
+      <p:sp>
+        <p:nvSpPr>
+          <p:cNvPr id="5" name="Date Placeholder 4"/>
+          <p:cNvSpPr>
+            <a:spLocks noGrp="1"/>
+          </p:cNvSpPr>
+          <p:nvPr>
+            <p:ph type="dt" sz="half" idx="10"/>
+          </p:nvPr>
+        </p:nvSpPr>
+        <p:spPr/>
+        <p:txBody>
+          <a:bodyPr/>
+          <a:lstStyle/>
+          <a:p>
+            <a:fld id="{241EB5C9-1307-BA42-ABA2-0BC069CD8E7F}" type="datetimeFigureOut">
+              <a:rPr lang="en-US" smtClean="0"/>
+              <a:t>4/5/2019</a:t>
+            </a:fld>
+            <a:endParaRPr lang="en-US"/>
+          </a:p>
+        </p:txBody>
+      </p:sp>
+      <p:sp>
+        <p:nvSpPr>
+          <p:cNvPr id="6" name="Footer Placeholder 5"/>
+          <p:cNvSpPr>
+            <a:spLocks noGrp="1"/>
+          </p:cNvSpPr>
+          <p:nvPr>
+            <p:ph type="ftr" sz="quarter" idx="11"/>
+          </p:nvPr>
+        </p:nvSpPr>
+        <p:spPr/>
+        <p:txBody>
+          <a:bodyPr/>
+          <a:lstStyle/>
+          <a:p>
+            <a:endParaRPr lang="en-US"/>
+          </a:p>
+        </p:txBody>
+      </p:sp>
+      <p:sp>
+        <p:nvSpPr>
+          <p:cNvPr id="7" name="Slide Number Placeholder 6"/>
+          <p:cNvSpPr>
+            <a:spLocks noGrp="1"/>
+          </p:cNvSpPr>
+          <p:nvPr>
+            <p:ph type="sldNum" sz="quarter" idx="12"/>
+          </p:nvPr>
+        </p:nvSpPr>
+        <p:spPr/>
+        <p:txBody>
+          <a:bodyPr/>
+          <a:lstStyle/>
+          <a:p>
+            <a:fld id="{C5EF2332-01BF-834F-8236-50238282D533}" type="slidenum">
+              <a:rPr lang="en-US" smtClean="0"/>
+              <a:t>‹#›</a:t>
+            </a:fld>
+            <a:endParaRPr lang="en-US"/>
+          </a:p>
+        </p:txBody>
+      </p:sp>
+    </p:spTree>
+    <p:extLst>
+      <p:ext uri="{BB962C8B-B14F-4D97-AF65-F5344CB8AC3E}">
+        <p14:creationId xmlns:p14="http://schemas.microsoft.com/office/powerpoint/2010/main" val="3540895647"/>
+      </p:ext>
+    </p:extLst>
+  </p:cSld>
+  <p:clrMapOvr>
+    <a:masterClrMapping/>
+  </p:clrMapOvr>
+</p:sldLayout>
+</file>
+
+<file path=ppt/slideLayouts/slideLayout9.xml><?xml version="1.0" encoding="utf-8"?>
+<p:sldLayout xmlns:a="http://schemas.openxmlformats.org/drawingml/2006/main" xmlns:r="http://schemas.openxmlformats.org/officeDocument/2006/relationships" xmlns:p="http://schemas.openxmlformats.org/presentationml/2006/main" type="picTx" preserve="1">
+  <p:cSld name="Picture with Caption">
+    <p:spTree>
+      <p:nvGrpSpPr>
+        <p:cNvPr id="1" name=""/>
+        <p:cNvGrpSpPr/>
+        <p:nvPr/>
+      </p:nvGrpSpPr>
+      <p:grpSpPr>
+        <a:xfrm>
+          <a:off x="0" y="0"/>
+          <a:ext cx="0" cy="0"/>
+          <a:chOff x="0" y="0"/>
+          <a:chExt cx="0" cy="0"/>
+        </a:xfrm>
+      </p:grpSpPr>
+      <p:sp>
+        <p:nvSpPr>
+          <p:cNvPr id="2" name="Title 1"/>
+          <p:cNvSpPr>
+            <a:spLocks noGrp="1"/>
+          </p:cNvSpPr>
+          <p:nvPr>
+            <p:ph type="title"/>
+          </p:nvPr>
+        </p:nvSpPr>
+        <p:spPr>
+          <a:xfrm>
+            <a:off x="1792288" y="4800600"/>
+            <a:ext cx="5486400" cy="566738"/>
+          </a:xfrm>
+        </p:spPr>
+        <p:txBody>
+          <a:bodyPr anchor="b"/>
+          <a:lstStyle>
+            <a:lvl1pPr algn="l">
+              <a:defRPr sz="2000" b="1"/>
+            </a:lvl1pPr>
+          </a:lstStyle>
+          <a:p>
+            <a:r>
+              <a:rPr lang="en-US" smtClean="0"/>
+              <a:t>Click to edit Master title style</a:t>
+            </a:r>
+            <a:endParaRPr lang="en-US"/>
+          </a:p>
+        </p:txBody>
+      </p:sp>
+      <p:sp>
+        <p:nvSpPr>
+          <p:cNvPr id="3" name="Picture Placeholder 2"/>
+          <p:cNvSpPr>
+            <a:spLocks noGrp="1"/>
+          </p:cNvSpPr>
+          <p:nvPr>
+            <p:ph type="pic" idx="1"/>
+          </p:nvPr>
+        </p:nvSpPr>
+        <p:spPr>
+          <a:xfrm>
+            <a:off x="1792288" y="612775"/>
+            <a:ext cx="5486400" cy="4114800"/>
+          </a:xfrm>
+        </p:spPr>
+        <p:txBody>
+          <a:bodyPr/>
+          <a:lstStyle>
+            <a:lvl1pPr marL="0" indent="0">
+              <a:buNone/>
+              <a:defRPr sz="3200"/>
+            </a:lvl1pPr>
+            <a:lvl2pPr marL="457200" indent="0">
+              <a:buNone/>
+              <a:defRPr sz="2800"/>
+            </a:lvl2pPr>
+            <a:lvl3pPr marL="914400" indent="0">
+              <a:buNone/>
+              <a:defRPr sz="2400"/>
+            </a:lvl3pPr>
+            <a:lvl4pPr marL="1371600" indent="0">
+              <a:buNone/>
+              <a:defRPr sz="2000"/>
+            </a:lvl4pPr>
+            <a:lvl5pPr marL="1828800" indent="0">
+              <a:buNone/>
+              <a:defRPr sz="2000"/>
+            </a:lvl5pPr>
+            <a:lvl6pPr marL="2286000" indent="0">
+              <a:buNone/>
+              <a:defRPr sz="2000"/>
+            </a:lvl6pPr>
+            <a:lvl7pPr marL="2743200" indent="0">
+              <a:buNone/>
+              <a:defRPr sz="2000"/>
+            </a:lvl7pPr>
+            <a:lvl8pPr marL="3200400" indent="0">
+              <a:buNone/>
+              <a:defRPr sz="2000"/>
+            </a:lvl8pPr>
+            <a:lvl9pPr marL="3657600" indent="0">
+              <a:buNone/>
+              <a:defRPr sz="2000"/>
+            </a:lvl9pPr>
+          </a:lstStyle>
+          <a:p>
+            <a:endParaRPr lang="en-US"/>
+          </a:p>
+        </p:txBody>
+      </p:sp>
+      <p:sp>
+        <p:nvSpPr>
+          <p:cNvPr id="4" name="Text Placeholder 3"/>
+          <p:cNvSpPr>
+            <a:spLocks noGrp="1"/>
+          </p:cNvSpPr>
+          <p:nvPr>
+            <p:ph type="body" sz="half" idx="2"/>
+          </p:nvPr>
+        </p:nvSpPr>
+        <p:spPr>
+          <a:xfrm>
+            <a:off x="1792288" y="5367338"/>
+            <a:ext cx="5486400" cy="804862"/>
+          </a:xfrm>
+        </p:spPr>
+        <p:txBody>
+          <a:bodyPr/>
+          <a:lstStyle>
+            <a:lvl1pPr marL="0" indent="0">
+              <a:buNone/>
+              <a:defRPr sz="1400"/>
+            </a:lvl1pPr>
+            <a:lvl2pPr marL="457200" indent="0">
+              <a:buNone/>
+              <a:defRPr sz="1200"/>
+            </a:lvl2pPr>
+            <a:lvl3pPr marL="914400" indent="0">
+              <a:buNone/>
+              <a:defRPr sz="1000"/>
+            </a:lvl3pPr>
+            <a:lvl4pPr marL="1371600" indent="0">
+              <a:buNone/>
+              <a:defRPr sz="900"/>
+            </a:lvl4pPr>
+            <a:lvl5pPr marL="1828800" indent="0">
+              <a:buNone/>
+              <a:defRPr sz="900"/>
+            </a:lvl5pPr>
+            <a:lvl6pPr marL="2286000" indent="0">
+              <a:buNone/>
+              <a:defRPr sz="900"/>
+            </a:lvl6pPr>
+            <a:lvl7pPr marL="2743200" indent="0">
+              <a:buNone/>
+              <a:defRPr sz="900"/>
+            </a:lvl7pPr>
+            <a:lvl8pPr marL="3200400" indent="0">
+              <a:buNone/>
+              <a:defRPr sz="900"/>
+            </a:lvl8pPr>
+            <a:lvl9pPr marL="3657600" indent="0">
+              <a:buNone/>
+              <a:defRPr sz="900"/>
+            </a:lvl9pPr>
+          </a:lstStyle>
+          <a:p>
+            <a:pPr lvl="0"/>
+            <a:r>
+              <a:rPr lang="en-US" smtClean="0"/>
+              <a:t>Click to edit Master text styles</a:t>
+            </a:r>
+          </a:p>
+        </p:txBody>
+      </p:sp>
+      <p:sp>
+        <p:nvSpPr>
+          <p:cNvPr id="5" name="Date Placeholder 4"/>
+          <p:cNvSpPr>
+            <a:spLocks noGrp="1"/>
+          </p:cNvSpPr>
+          <p:nvPr>
+            <p:ph type="dt" sz="half" idx="10"/>
+          </p:nvPr>
+        </p:nvSpPr>
+        <p:spPr/>
+        <p:txBody>
+          <a:bodyPr/>
+          <a:lstStyle/>
+          <a:p>
+            <a:fld id="{241EB5C9-1307-BA42-ABA2-0BC069CD8E7F}" type="datetimeFigureOut">
+              <a:rPr lang="en-US" smtClean="0"/>
+              <a:t>4/5/2019</a:t>
+            </a:fld>
+            <a:endParaRPr lang="en-US"/>
+          </a:p>
+        </p:txBody>
+      </p:sp>
+      <p:sp>
+        <p:nvSpPr>
+          <p:cNvPr id="6" name="Footer Placeholder 5"/>
+          <p:cNvSpPr>
+            <a:spLocks noGrp="1"/>
+          </p:cNvSpPr>
+          <p:nvPr>
+            <p:ph type="ftr" sz="quarter" idx="11"/>
+          </p:nvPr>
+        </p:nvSpPr>
+        <p:spPr/>
+        <p:txBody>
+          <a:bodyPr/>
+          <a:lstStyle/>
+          <a:p>
+            <a:endParaRPr lang="en-US"/>
+          </a:p>
+        </p:txBody>
+      </p:sp>
+      <p:sp>
+        <p:nvSpPr>
+          <p:cNvPr id="7" name="Slide Number Placeholder 6"/>
+          <p:cNvSpPr>
+            <a:spLocks noGrp="1"/>
+          </p:cNvSpPr>
+          <p:nvPr>
+            <p:ph type="sldNum" sz="quarter" idx="12"/>
+          </p:nvPr>
+        </p:nvSpPr>
+        <p:spPr/>
+        <p:txBody>
+          <a:bodyPr/>
+          <a:lstStyle/>
+          <a:p>
+            <a:fld id="{C5EF2332-01BF-834F-8236-50238282D533}" type="slidenum">
+              <a:rPr lang="en-US" smtClean="0"/>
+              <a:t>‹#›</a:t>
+            </a:fld>
+            <a:endParaRPr lang="en-US"/>
+          </a:p>
+        </p:txBody>
+      </p:sp>
+    </p:spTree>
+    <p:extLst>
+      <p:ext uri="{BB962C8B-B14F-4D97-AF65-F5344CB8AC3E}">
+        <p14:creationId xmlns:p14="http://schemas.microsoft.com/office/powerpoint/2010/main" val="3566899855"/>
       </p:ext>
     </p:extLst>
   </p:cSld>
@@ -1916,7 +3015,7 @@
             <a:fld id="{54D2579E-D2B3-420A-972D-0CF396453095}" type="datetime1">
               <a:rPr lang="en-GB" smtClean="0"/>
               <a:pPr/>
-              <a:t>17/02/2020</a:t>
+              <a:t>12/02/2020</a:t>
             </a:fld>
             <a:endParaRPr lang="en-GB" dirty="0"/>
           </a:p>
@@ -2333,7 +3432,13 @@
       </p:grpSpPr>
       <p:sp>
         <p:nvSpPr>
-          <p:cNvPr id="2" name="Title 1"/>
+          <p:cNvPr id="2" name="Title 1">
+            <a:extLst>
+              <a:ext uri="{FF2B5EF4-FFF2-40B4-BE49-F238E27FC236}">
+                <a16:creationId xmlns:a16="http://schemas.microsoft.com/office/drawing/2014/main" id="{E93C8C1A-1BF5-4B59-AC3C-73632A8AD884}"/>
+              </a:ext>
+            </a:extLst>
+          </p:cNvPr>
           <p:cNvSpPr>
             <a:spLocks noGrp="1"/>
           </p:cNvSpPr>
@@ -2343,26 +3448,97 @@
         </p:nvSpPr>
         <p:spPr>
           <a:xfrm>
-            <a:off x="685800" y="2130425"/>
-            <a:ext cx="7772400" cy="1470025"/>
+            <a:off x="494400" y="2131200"/>
+            <a:ext cx="7012800" cy="1468800"/>
           </a:xfrm>
         </p:spPr>
         <p:txBody>
           <a:bodyPr/>
           <a:lstStyle/>
           <a:p>
-            <a:pPr marL="0" lvl="0" indent="0">
+            <a:pPr lvl="0" marL="0" indent="0">
               <a:buNone/>
             </a:pPr>
             <a:r>
-              <a:t>Gwen’s and Tom’s simple guide to writing a script</a:t>
-            </a:r>
-          </a:p>
-        </p:txBody>
-      </p:sp>
-      <p:sp>
-        <p:nvSpPr>
-          <p:cNvPr id="3" name="Subtitle 2"/>
+              <a:rPr/>
+              <a:t>Gwen’s</a:t>
+            </a:r>
+            <a:r>
+              <a:rPr/>
+              <a:t> </a:t>
+            </a:r>
+            <a:r>
+              <a:rPr/>
+              <a:t>and</a:t>
+            </a:r>
+            <a:r>
+              <a:rPr/>
+              <a:t> </a:t>
+            </a:r>
+            <a:r>
+              <a:rPr/>
+              <a:t>Tom’s</a:t>
+            </a:r>
+            <a:r>
+              <a:rPr/>
+              <a:t> </a:t>
+            </a:r>
+            <a:r>
+              <a:rPr/>
+              <a:t>simple</a:t>
+            </a:r>
+            <a:r>
+              <a:rPr/>
+              <a:t> </a:t>
+            </a:r>
+            <a:r>
+              <a:rPr/>
+              <a:t>guide</a:t>
+            </a:r>
+            <a:r>
+              <a:rPr/>
+              <a:t> </a:t>
+            </a:r>
+            <a:r>
+              <a:rPr/>
+              <a:t>to</a:t>
+            </a:r>
+            <a:r>
+              <a:rPr/>
+              <a:t> </a:t>
+            </a:r>
+            <a:r>
+              <a:rPr/>
+              <a:t>writing</a:t>
+            </a:r>
+            <a:r>
+              <a:rPr/>
+              <a:t> </a:t>
+            </a:r>
+            <a:r>
+              <a:rPr/>
+              <a:t>a</a:t>
+            </a:r>
+            <a:r>
+              <a:rPr/>
+              <a:t> </a:t>
+            </a:r>
+            <a:r>
+              <a:rPr/>
+              <a:t>script</a:t>
+            </a:r>
+          </a:p>
+        </p:txBody>
+      </p:sp>
+      <p:sp>
+        <p:nvSpPr>
+          <p:cNvPr id="3" name="Subtitle 2">
+            <a:extLst>
+              <a:ext uri="{FF2B5EF4-FFF2-40B4-BE49-F238E27FC236}">
+                <a16:creationId xmlns:a16="http://schemas.microsoft.com/office/drawing/2014/main" id="{E519FAE3-5BF7-4965-9A39-4DF10150BF31}"/>
+              </a:ext>
+            </a:extLst>
+          </p:cNvPr>
           <p:cNvSpPr>
             <a:spLocks noGrp="1"/>
           </p:cNvSpPr>
@@ -2372,30 +3548,52 @@
         </p:nvSpPr>
         <p:spPr>
           <a:xfrm>
-            <a:off x="1371600" y="3886200"/>
-            <a:ext cx="6400800" cy="1752600"/>
+            <a:off x="494400" y="3602037"/>
+            <a:ext cx="7012800" cy="1752000"/>
           </a:xfrm>
         </p:spPr>
         <p:txBody>
           <a:bodyPr/>
           <a:lstStyle/>
           <a:p>
-            <a:pPr marL="0" lvl="0" indent="0">
+            <a:pPr lvl="0" marL="0" indent="0">
               <a:buNone/>
             </a:pPr>
             <a:br/>
             <a:br/>
             <a:r>
-              <a:t>Gwen Fernandes, Thomas Battram</a:t>
+              <a:rPr/>
+              <a:t>Gwen</a:t>
+            </a:r>
+            <a:r>
+              <a:rPr/>
+              <a:t> </a:t>
+            </a:r>
+            <a:r>
+              <a:rPr/>
+              <a:t>Fernandes,</a:t>
+            </a:r>
+            <a:r>
+              <a:rPr/>
+              <a:t> </a:t>
+            </a:r>
+            <a:r>
+              <a:rPr/>
+              <a:t>Thomas</a:t>
+            </a:r>
+            <a:r>
+              <a:rPr/>
+              <a:t> </a:t>
+            </a:r>
+            <a:r>
+              <a:rPr/>
+              <a:t>Battram</a:t>
             </a:r>
           </a:p>
         </p:txBody>
       </p:sp>
     </p:spTree>
   </p:cSld>
-  <p:clrMapOvr>
-    <a:masterClrMapping/>
-  </p:clrMapOvr>
 </p:sld>
 </file>
 
@@ -2418,7 +3616,13 @@
       </p:grpSpPr>
       <p:sp>
         <p:nvSpPr>
-          <p:cNvPr id="2" name="Title 1"/>
+          <p:cNvPr id="2" name="Title 1">
+            <a:extLst>
+              <a:ext uri="{FF2B5EF4-FFF2-40B4-BE49-F238E27FC236}">
+                <a16:creationId xmlns:a16="http://schemas.microsoft.com/office/drawing/2014/main" id="{3BEB2333-4531-4F49-98C7-71CE6B119B78}"/>
+              </a:ext>
+            </a:extLst>
+          </p:cNvPr>
           <p:cNvSpPr>
             <a:spLocks noGrp="1"/>
           </p:cNvSpPr>
@@ -2426,756 +3630,157 @@
             <p:ph type="title"/>
           </p:nvPr>
         </p:nvSpPr>
+        <p:spPr>
+          <a:xfrm>
+            <a:off x="494400" y="365125"/>
+            <a:ext cx="11203200" cy="1325563"/>
+          </a:xfrm>
+        </p:spPr>
+        <p:txBody>
+          <a:bodyPr/>
+          <a:lstStyle/>
+          <a:p>
+            <a:pPr lvl="0" marL="0" indent="0">
+              <a:buNone/>
+            </a:pPr>
+            <a:r>
+              <a:rPr/>
+              <a:t>Step</a:t>
+            </a:r>
+            <a:r>
+              <a:rPr/>
+              <a:t> </a:t>
+            </a:r>
+            <a:r>
+              <a:rPr/>
+              <a:t>2:</a:t>
+            </a:r>
+            <a:r>
+              <a:rPr/>
+              <a:t> </a:t>
+            </a:r>
+            <a:r>
+              <a:rPr/>
+              <a:t>What</a:t>
+            </a:r>
+            <a:r>
+              <a:rPr/>
+              <a:t> </a:t>
+            </a:r>
+            <a:r>
+              <a:rPr/>
+              <a:t>do</a:t>
+            </a:r>
+            <a:r>
+              <a:rPr/>
+              <a:t> </a:t>
+            </a:r>
+            <a:r>
+              <a:rPr/>
+              <a:t>I</a:t>
+            </a:r>
+            <a:r>
+              <a:rPr/>
+              <a:t> </a:t>
+            </a:r>
+            <a:r>
+              <a:rPr/>
+              <a:t>need</a:t>
+            </a:r>
+            <a:r>
+              <a:rPr/>
+              <a:t> </a:t>
+            </a:r>
+            <a:r>
+              <a:rPr/>
+              <a:t>to</a:t>
+            </a:r>
+            <a:r>
+              <a:rPr/>
+              <a:t> </a:t>
+            </a:r>
+            <a:r>
+              <a:rPr/>
+              <a:t>write</a:t>
+            </a:r>
+            <a:r>
+              <a:rPr/>
+              <a:t> </a:t>
+            </a:r>
+            <a:r>
+              <a:rPr/>
+              <a:t>this</a:t>
+            </a:r>
+            <a:r>
+              <a:rPr/>
+              <a:t> </a:t>
+            </a:r>
+            <a:r>
+              <a:rPr/>
+              <a:t>script?</a:t>
+            </a:r>
+          </a:p>
+        </p:txBody>
+      </p:sp>
+      <p:sp>
+        <p:nvSpPr>
+          <p:cNvPr id="3" name="Content Placeholder 2">
+            <a:extLst>
+              <a:ext uri="{FF2B5EF4-FFF2-40B4-BE49-F238E27FC236}">
+                <a16:creationId xmlns:a16="http://schemas.microsoft.com/office/drawing/2014/main" id="{DB0BEE29-071E-4ED4-B0D5-046429DF4F91}"/>
+              </a:ext>
+            </a:extLst>
+          </p:cNvPr>
+          <p:cNvSpPr>
+            <a:spLocks noGrp="1"/>
+          </p:cNvSpPr>
+          <p:nvPr>
+            <p:ph idx="1"/>
+          </p:nvPr>
+        </p:nvSpPr>
         <p:spPr/>
         <p:txBody>
           <a:bodyPr/>
           <a:lstStyle/>
           <a:p>
-            <a:pPr marL="0" lvl="0" indent="0">
+            <a:pPr lvl="1"/>
+            <a:r>
+              <a:rPr/>
+              <a:t>Datasets!</a:t>
+            </a:r>
+          </a:p>
+          <a:p>
+            <a:pPr lvl="1"/>
+            <a:r>
+              <a:rPr/>
+              <a:t>Using only base R can make things difficult… Packages!</a:t>
+            </a:r>
+          </a:p>
+          <a:p>
+            <a:pPr lvl="1"/>
+            <a:r>
+              <a:rPr/>
+              <a:t>Packages are made by others and are there to make your life easier</a:t>
+            </a:r>
+          </a:p>
+          <a:p>
+            <a:pPr lvl="0" marL="0" indent="0">
               <a:buNone/>
             </a:pPr>
-            <a:r>
-              <a:t>Make your code easy to read</a:t>
-            </a:r>
-          </a:p>
-        </p:txBody>
-      </p:sp>
-      <p:sp>
-        <p:nvSpPr>
-          <p:cNvPr id="3" name="Content Placeholder 2"/>
-          <p:cNvSpPr>
-            <a:spLocks noGrp="1"/>
-          </p:cNvSpPr>
-          <p:nvPr>
-            <p:ph idx="1"/>
-          </p:nvPr>
-        </p:nvSpPr>
-        <p:spPr/>
-        <p:txBody>
-          <a:bodyPr/>
-          <a:lstStyle/>
-          <a:p>
-            <a:pPr marL="0" lvl="0" indent="0">
+          </a:p>
+          <a:p>
+            <a:pPr lvl="0" marL="0" indent="0">
               <a:buNone/>
             </a:pPr>
             <a:r>
-              <a:rPr dirty="0"/>
-              <a:t>2 big points here:</a:t>
-            </a:r>
-          </a:p>
-          <a:p>
-            <a:pPr lvl="1">
-              <a:buAutoNum type="arabicPeriod"/>
-            </a:pPr>
-            <a:r>
-              <a:rPr dirty="0"/>
-              <a:t>Use a consistent style when writing code</a:t>
-            </a:r>
-          </a:p>
-          <a:p>
-            <a:pPr marL="1270000" lvl="0" indent="0">
-              <a:buNone/>
-            </a:pPr>
-            <a:r>
-              <a:rPr sz="1800" dirty="0" err="1">
-                <a:latin typeface="Courier"/>
-              </a:rPr>
-              <a:t>a_var</a:t>
-            </a:r>
-            <a:r>
-              <a:rPr sz="1800" dirty="0">
-                <a:latin typeface="Courier"/>
-              </a:rPr>
-              <a:t> &lt;-</a:t>
-            </a:r>
-            <a:r>
-              <a:rPr sz="1800" dirty="0">
-                <a:solidFill>
-                  <a:srgbClr val="4070A0"/>
-                </a:solidFill>
-                <a:latin typeface="Courier"/>
-              </a:rPr>
-              <a:t> </a:t>
-            </a:r>
-            <a:r>
-              <a:rPr sz="1800" b="1" dirty="0">
-                <a:solidFill>
-                  <a:srgbClr val="007020"/>
-                </a:solidFill>
-                <a:latin typeface="Courier"/>
-              </a:rPr>
-              <a:t>c</a:t>
-            </a:r>
-            <a:r>
-              <a:rPr sz="1800" dirty="0">
-                <a:latin typeface="Courier"/>
-              </a:rPr>
-              <a:t>(</a:t>
-            </a:r>
-            <a:r>
-              <a:rPr sz="1800" dirty="0">
-                <a:solidFill>
-                  <a:srgbClr val="40A070"/>
-                </a:solidFill>
-                <a:latin typeface="Courier"/>
-              </a:rPr>
-              <a:t>1</a:t>
-            </a:r>
-            <a:r>
-              <a:rPr sz="1800" dirty="0">
-                <a:latin typeface="Courier"/>
-              </a:rPr>
-              <a:t>, </a:t>
-            </a:r>
-            <a:r>
-              <a:rPr sz="1800" dirty="0">
-                <a:solidFill>
-                  <a:srgbClr val="40A070"/>
-                </a:solidFill>
-                <a:latin typeface="Courier"/>
-              </a:rPr>
-              <a:t>2</a:t>
-            </a:r>
-            <a:r>
-              <a:rPr sz="1800" dirty="0">
-                <a:latin typeface="Courier"/>
-              </a:rPr>
-              <a:t>, </a:t>
-            </a:r>
-            <a:r>
-              <a:rPr sz="1800" dirty="0">
-                <a:solidFill>
-                  <a:srgbClr val="40A070"/>
-                </a:solidFill>
-                <a:latin typeface="Courier"/>
-              </a:rPr>
-              <a:t>3</a:t>
-            </a:r>
-            <a:r>
-              <a:rPr sz="1800" dirty="0">
-                <a:latin typeface="Courier"/>
-              </a:rPr>
-              <a:t>)</a:t>
-            </a:r>
-            <a:br>
-              <a:rPr dirty="0"/>
-            </a:br>
-            <a:r>
-              <a:rPr sz="1800" dirty="0" err="1">
-                <a:latin typeface="Courier"/>
-              </a:rPr>
-              <a:t>a.var</a:t>
-            </a:r>
-            <a:r>
-              <a:rPr sz="1800" dirty="0">
-                <a:latin typeface="Courier"/>
-              </a:rPr>
-              <a:t> &lt;-</a:t>
-            </a:r>
-            <a:r>
-              <a:rPr sz="1800" dirty="0">
-                <a:solidFill>
-                  <a:srgbClr val="4070A0"/>
-                </a:solidFill>
-                <a:latin typeface="Courier"/>
-              </a:rPr>
-              <a:t> </a:t>
-            </a:r>
-            <a:r>
-              <a:rPr sz="1800" b="1" dirty="0">
-                <a:solidFill>
-                  <a:srgbClr val="007020"/>
-                </a:solidFill>
-                <a:latin typeface="Courier"/>
-              </a:rPr>
-              <a:t>c</a:t>
-            </a:r>
-            <a:r>
-              <a:rPr sz="1800" dirty="0">
-                <a:latin typeface="Courier"/>
-              </a:rPr>
-              <a:t>(</a:t>
-            </a:r>
-            <a:r>
-              <a:rPr sz="1800" dirty="0">
-                <a:solidFill>
-                  <a:srgbClr val="40A070"/>
-                </a:solidFill>
-                <a:latin typeface="Courier"/>
-              </a:rPr>
-              <a:t>1</a:t>
-            </a:r>
-            <a:r>
-              <a:rPr sz="1800" dirty="0">
-                <a:latin typeface="Courier"/>
-              </a:rPr>
-              <a:t>, </a:t>
-            </a:r>
-            <a:r>
-              <a:rPr sz="1800" dirty="0">
-                <a:solidFill>
-                  <a:srgbClr val="40A070"/>
-                </a:solidFill>
-                <a:latin typeface="Courier"/>
-              </a:rPr>
-              <a:t>2</a:t>
-            </a:r>
-            <a:r>
-              <a:rPr sz="1800" dirty="0">
-                <a:latin typeface="Courier"/>
-              </a:rPr>
-              <a:t>, </a:t>
-            </a:r>
-            <a:r>
-              <a:rPr sz="1800" dirty="0">
-                <a:solidFill>
-                  <a:srgbClr val="40A070"/>
-                </a:solidFill>
-                <a:latin typeface="Courier"/>
-              </a:rPr>
-              <a:t>3</a:t>
-            </a:r>
-            <a:r>
-              <a:rPr sz="1800" dirty="0">
-                <a:latin typeface="Courier"/>
-              </a:rPr>
-              <a:t>)</a:t>
-            </a:r>
-            <a:br>
-              <a:rPr dirty="0"/>
-            </a:br>
-            <a:r>
-              <a:rPr sz="1800" dirty="0" err="1">
-                <a:latin typeface="Courier"/>
-              </a:rPr>
-              <a:t>aVar</a:t>
-            </a:r>
-            <a:r>
-              <a:rPr sz="1800" dirty="0">
-                <a:latin typeface="Courier"/>
-              </a:rPr>
-              <a:t> &lt;-</a:t>
-            </a:r>
-            <a:r>
-              <a:rPr sz="1800" dirty="0">
-                <a:solidFill>
-                  <a:srgbClr val="4070A0"/>
-                </a:solidFill>
-                <a:latin typeface="Courier"/>
-              </a:rPr>
-              <a:t> </a:t>
-            </a:r>
-            <a:r>
-              <a:rPr sz="1800" b="1" dirty="0">
-                <a:solidFill>
-                  <a:srgbClr val="007020"/>
-                </a:solidFill>
-                <a:latin typeface="Courier"/>
-              </a:rPr>
-              <a:t>c</a:t>
-            </a:r>
-            <a:r>
-              <a:rPr sz="1800" dirty="0">
-                <a:latin typeface="Courier"/>
-              </a:rPr>
-              <a:t>(</a:t>
-            </a:r>
-            <a:r>
-              <a:rPr sz="1800" dirty="0">
-                <a:solidFill>
-                  <a:srgbClr val="40A070"/>
-                </a:solidFill>
-                <a:latin typeface="Courier"/>
-              </a:rPr>
-              <a:t>1</a:t>
-            </a:r>
-            <a:r>
-              <a:rPr sz="1800" dirty="0">
-                <a:latin typeface="Courier"/>
-              </a:rPr>
-              <a:t>, </a:t>
-            </a:r>
-            <a:r>
-              <a:rPr sz="1800" dirty="0">
-                <a:solidFill>
-                  <a:srgbClr val="40A070"/>
-                </a:solidFill>
-                <a:latin typeface="Courier"/>
-              </a:rPr>
-              <a:t>2</a:t>
-            </a:r>
-            <a:r>
-              <a:rPr sz="1800" dirty="0">
-                <a:latin typeface="Courier"/>
-              </a:rPr>
-              <a:t>, </a:t>
-            </a:r>
-            <a:r>
-              <a:rPr sz="1800" dirty="0">
-                <a:solidFill>
-                  <a:srgbClr val="40A070"/>
-                </a:solidFill>
-                <a:latin typeface="Courier"/>
-              </a:rPr>
-              <a:t>3</a:t>
-            </a:r>
-            <a:r>
-              <a:rPr sz="1800" dirty="0">
-                <a:latin typeface="Courier"/>
-              </a:rPr>
-              <a:t>)</a:t>
-            </a:r>
-          </a:p>
-          <a:p>
-            <a:pPr marL="0" lvl="0" indent="0">
-              <a:buNone/>
-            </a:pPr>
-            <a:endParaRPr sz="1800" dirty="0">
-              <a:latin typeface="Courier"/>
-            </a:endParaRPr>
-          </a:p>
-          <a:p>
-            <a:pPr marL="457189" lvl="1" indent="0">
-              <a:buNone/>
-            </a:pPr>
-            <a:r>
-              <a:rPr lang="en-GB" dirty="0"/>
-              <a:t>2. </a:t>
-            </a:r>
-            <a:r>
-              <a:rPr dirty="0"/>
-              <a:t>Use spaces appropriately</a:t>
-            </a:r>
-          </a:p>
-          <a:p>
-            <a:pPr marL="1270000" lvl="0" indent="0">
-              <a:buNone/>
-            </a:pPr>
-            <a:r>
-              <a:rPr sz="1800" dirty="0">
-                <a:latin typeface="Courier"/>
-              </a:rPr>
-              <a:t>x &lt;-</a:t>
-            </a:r>
-            <a:r>
-              <a:rPr sz="1800" b="1" dirty="0">
-                <a:solidFill>
-                  <a:srgbClr val="007020"/>
-                </a:solidFill>
-                <a:latin typeface="Courier"/>
-              </a:rPr>
-              <a:t>c</a:t>
-            </a:r>
-            <a:r>
-              <a:rPr sz="1800" dirty="0">
-                <a:latin typeface="Courier"/>
-              </a:rPr>
-              <a:t>(</a:t>
-            </a:r>
-            <a:r>
-              <a:rPr sz="1800" dirty="0">
-                <a:solidFill>
-                  <a:srgbClr val="40A070"/>
-                </a:solidFill>
-                <a:latin typeface="Courier"/>
-              </a:rPr>
-              <a:t>1</a:t>
-            </a:r>
-            <a:r>
-              <a:rPr sz="1800" dirty="0">
-                <a:latin typeface="Courier"/>
-              </a:rPr>
-              <a:t>,</a:t>
-            </a:r>
-            <a:r>
-              <a:rPr sz="1800" dirty="0">
-                <a:solidFill>
-                  <a:srgbClr val="40A070"/>
-                </a:solidFill>
-                <a:latin typeface="Courier"/>
-              </a:rPr>
-              <a:t>2</a:t>
-            </a:r>
-            <a:r>
-              <a:rPr sz="1800" dirty="0">
-                <a:latin typeface="Courier"/>
-              </a:rPr>
-              <a:t>,</a:t>
-            </a:r>
-            <a:r>
-              <a:rPr sz="1800" dirty="0">
-                <a:solidFill>
-                  <a:srgbClr val="40A070"/>
-                </a:solidFill>
-                <a:latin typeface="Courier"/>
-              </a:rPr>
-              <a:t>51</a:t>
-            </a:r>
-            <a:r>
-              <a:rPr sz="1800" dirty="0">
-                <a:latin typeface="Courier"/>
-              </a:rPr>
-              <a:t>,</a:t>
-            </a:r>
-            <a:r>
-              <a:rPr sz="1800" dirty="0">
-                <a:solidFill>
-                  <a:srgbClr val="40A070"/>
-                </a:solidFill>
-                <a:latin typeface="Courier"/>
-              </a:rPr>
-              <a:t>124</a:t>
-            </a:r>
-            <a:r>
-              <a:rPr sz="1800" dirty="0">
-                <a:latin typeface="Courier"/>
-              </a:rPr>
-              <a:t>,</a:t>
-            </a:r>
-            <a:r>
-              <a:rPr sz="1800" dirty="0">
-                <a:solidFill>
-                  <a:srgbClr val="40A070"/>
-                </a:solidFill>
-                <a:latin typeface="Courier"/>
-              </a:rPr>
-              <a:t>60386920-142</a:t>
-            </a:r>
-            <a:r>
-              <a:rPr sz="1800" dirty="0">
-                <a:latin typeface="Courier"/>
-              </a:rPr>
-              <a:t>,</a:t>
-            </a:r>
-            <a:r>
-              <a:rPr sz="1800" dirty="0">
-                <a:solidFill>
-                  <a:srgbClr val="40A070"/>
-                </a:solidFill>
-                <a:latin typeface="Courier"/>
-              </a:rPr>
-              <a:t>4124</a:t>
-            </a:r>
-            <a:r>
-              <a:rPr sz="1800" dirty="0">
-                <a:latin typeface="Courier"/>
-              </a:rPr>
-              <a:t>)</a:t>
-            </a:r>
-            <a:br>
-              <a:rPr dirty="0"/>
-            </a:br>
-            <a:r>
-              <a:rPr sz="1800" dirty="0">
-                <a:latin typeface="Courier"/>
-              </a:rPr>
-              <a:t>x &lt;-</a:t>
-            </a:r>
-            <a:r>
-              <a:rPr sz="1800" dirty="0">
-                <a:solidFill>
-                  <a:srgbClr val="4070A0"/>
-                </a:solidFill>
-                <a:latin typeface="Courier"/>
-              </a:rPr>
-              <a:t> </a:t>
-            </a:r>
-            <a:r>
-              <a:rPr sz="1800" b="1" dirty="0">
-                <a:solidFill>
-                  <a:srgbClr val="007020"/>
-                </a:solidFill>
-                <a:latin typeface="Courier"/>
-              </a:rPr>
-              <a:t>c</a:t>
-            </a:r>
-            <a:r>
-              <a:rPr sz="1800" dirty="0">
-                <a:latin typeface="Courier"/>
-              </a:rPr>
-              <a:t>(</a:t>
-            </a:r>
-            <a:r>
-              <a:rPr sz="1800" dirty="0">
-                <a:solidFill>
-                  <a:srgbClr val="40A070"/>
-                </a:solidFill>
-                <a:latin typeface="Courier"/>
-              </a:rPr>
-              <a:t>1</a:t>
-            </a:r>
-            <a:r>
-              <a:rPr sz="1800" dirty="0">
-                <a:latin typeface="Courier"/>
-              </a:rPr>
-              <a:t>, </a:t>
-            </a:r>
-            <a:r>
-              <a:rPr sz="1800" dirty="0">
-                <a:solidFill>
-                  <a:srgbClr val="40A070"/>
-                </a:solidFill>
-                <a:latin typeface="Courier"/>
-              </a:rPr>
-              <a:t>2</a:t>
-            </a:r>
-            <a:r>
-              <a:rPr sz="1800" dirty="0">
-                <a:latin typeface="Courier"/>
-              </a:rPr>
-              <a:t>, </a:t>
-            </a:r>
-            <a:r>
-              <a:rPr sz="1800" dirty="0">
-                <a:solidFill>
-                  <a:srgbClr val="40A070"/>
-                </a:solidFill>
-                <a:latin typeface="Courier"/>
-              </a:rPr>
-              <a:t>51</a:t>
-            </a:r>
-            <a:r>
-              <a:rPr sz="1800" dirty="0">
-                <a:latin typeface="Courier"/>
-              </a:rPr>
-              <a:t>, </a:t>
-            </a:r>
-            <a:r>
-              <a:rPr sz="1800" dirty="0">
-                <a:solidFill>
-                  <a:srgbClr val="40A070"/>
-                </a:solidFill>
-                <a:latin typeface="Courier"/>
-              </a:rPr>
-              <a:t>124</a:t>
-            </a:r>
-            <a:r>
-              <a:rPr sz="1800" dirty="0">
-                <a:latin typeface="Courier"/>
-              </a:rPr>
-              <a:t>, </a:t>
-            </a:r>
-            <a:r>
-              <a:rPr sz="1800" dirty="0">
-                <a:solidFill>
-                  <a:srgbClr val="40A070"/>
-                </a:solidFill>
-                <a:latin typeface="Courier"/>
-              </a:rPr>
-              <a:t>60386920</a:t>
-            </a:r>
-            <a:r>
-              <a:rPr sz="1800" dirty="0">
-                <a:latin typeface="Courier"/>
-              </a:rPr>
-              <a:t> </a:t>
-            </a:r>
-            <a:r>
-              <a:rPr sz="1800" dirty="0">
-                <a:solidFill>
-                  <a:srgbClr val="666666"/>
-                </a:solidFill>
-                <a:latin typeface="Courier"/>
-              </a:rPr>
-              <a:t>-</a:t>
-            </a:r>
-            <a:r>
-              <a:rPr sz="1800" dirty="0">
-                <a:solidFill>
-                  <a:srgbClr val="4070A0"/>
-                </a:solidFill>
-                <a:latin typeface="Courier"/>
-              </a:rPr>
-              <a:t> </a:t>
-            </a:r>
-            <a:r>
-              <a:rPr sz="1800" dirty="0">
-                <a:solidFill>
-                  <a:srgbClr val="40A070"/>
-                </a:solidFill>
-                <a:latin typeface="Courier"/>
-              </a:rPr>
-              <a:t>142</a:t>
-            </a:r>
-            <a:r>
-              <a:rPr sz="1800" dirty="0">
-                <a:latin typeface="Courier"/>
-              </a:rPr>
-              <a:t>, </a:t>
-            </a:r>
-            <a:r>
-              <a:rPr sz="1800" dirty="0">
-                <a:solidFill>
-                  <a:srgbClr val="40A070"/>
-                </a:solidFill>
-                <a:latin typeface="Courier"/>
-              </a:rPr>
-              <a:t>4124</a:t>
-            </a:r>
-            <a:r>
-              <a:rPr sz="1800" dirty="0">
-                <a:latin typeface="Courier"/>
-              </a:rPr>
-              <a:t>)</a:t>
-            </a:r>
-            <a:br>
-              <a:rPr dirty="0"/>
-            </a:br>
-            <a:r>
-              <a:rPr sz="1800" dirty="0">
-                <a:latin typeface="Courier"/>
-              </a:rPr>
-              <a:t>x   &lt;-</a:t>
-            </a:r>
-            <a:r>
-              <a:rPr sz="1800" dirty="0">
-                <a:solidFill>
-                  <a:srgbClr val="4070A0"/>
-                </a:solidFill>
-                <a:latin typeface="Courier"/>
-              </a:rPr>
-              <a:t>        </a:t>
-            </a:r>
-            <a:r>
-              <a:rPr sz="1800" b="1" dirty="0">
-                <a:solidFill>
-                  <a:srgbClr val="007020"/>
-                </a:solidFill>
-                <a:latin typeface="Courier"/>
-              </a:rPr>
-              <a:t>c</a:t>
-            </a:r>
-            <a:r>
-              <a:rPr sz="1800" dirty="0">
-                <a:latin typeface="Courier"/>
-              </a:rPr>
-              <a:t>(</a:t>
-            </a:r>
-            <a:r>
-              <a:rPr sz="1800" dirty="0">
-                <a:solidFill>
-                  <a:srgbClr val="40A070"/>
-                </a:solidFill>
-                <a:latin typeface="Courier"/>
-              </a:rPr>
-              <a:t>1</a:t>
-            </a:r>
-            <a:r>
-              <a:rPr sz="1800" dirty="0">
-                <a:latin typeface="Courier"/>
-              </a:rPr>
-              <a:t>   ,</a:t>
-            </a:r>
-            <a:r>
-              <a:rPr sz="1800" dirty="0">
-                <a:solidFill>
-                  <a:srgbClr val="40A070"/>
-                </a:solidFill>
-                <a:latin typeface="Courier"/>
-              </a:rPr>
-              <a:t>2</a:t>
-            </a:r>
-            <a:r>
-              <a:rPr sz="1800" dirty="0">
-                <a:latin typeface="Courier"/>
-              </a:rPr>
-              <a:t>    ,   </a:t>
-            </a:r>
-            <a:r>
-              <a:rPr sz="1800" dirty="0">
-                <a:solidFill>
-                  <a:srgbClr val="40A070"/>
-                </a:solidFill>
-                <a:latin typeface="Courier"/>
-              </a:rPr>
-              <a:t>51</a:t>
-            </a:r>
-            <a:r>
-              <a:rPr sz="1800" dirty="0">
-                <a:latin typeface="Courier"/>
-              </a:rPr>
-              <a:t>,</a:t>
-            </a:r>
-            <a:r>
-              <a:rPr sz="1800" dirty="0">
-                <a:solidFill>
-                  <a:srgbClr val="40A070"/>
-                </a:solidFill>
-                <a:latin typeface="Courier"/>
-              </a:rPr>
-              <a:t>124</a:t>
-            </a:r>
-            <a:r>
-              <a:rPr sz="1800" dirty="0">
-                <a:latin typeface="Courier"/>
-              </a:rPr>
-              <a:t>    ,</a:t>
-            </a:r>
-            <a:r>
-              <a:rPr sz="1800" dirty="0">
-                <a:solidFill>
-                  <a:srgbClr val="40A070"/>
-                </a:solidFill>
-                <a:latin typeface="Courier"/>
-              </a:rPr>
-              <a:t>60386920</a:t>
-            </a:r>
-            <a:r>
-              <a:rPr sz="1800" dirty="0">
-                <a:solidFill>
-                  <a:srgbClr val="666666"/>
-                </a:solidFill>
-                <a:latin typeface="Courier"/>
-              </a:rPr>
-              <a:t>-</a:t>
-            </a:r>
-            <a:r>
-              <a:rPr sz="1800" dirty="0">
-                <a:solidFill>
-                  <a:srgbClr val="4070A0"/>
-                </a:solidFill>
-                <a:latin typeface="Courier"/>
-              </a:rPr>
-              <a:t>     </a:t>
-            </a:r>
-            <a:r>
-              <a:rPr sz="1800" dirty="0">
-                <a:solidFill>
-                  <a:srgbClr val="40A070"/>
-                </a:solidFill>
-                <a:latin typeface="Courier"/>
-              </a:rPr>
-              <a:t>142</a:t>
-            </a:r>
-            <a:r>
-              <a:rPr sz="1800" dirty="0">
-                <a:latin typeface="Courier"/>
-              </a:rPr>
-              <a:t>, </a:t>
-            </a:r>
-            <a:r>
-              <a:rPr sz="1800" dirty="0">
-                <a:solidFill>
-                  <a:srgbClr val="40A070"/>
-                </a:solidFill>
-                <a:latin typeface="Courier"/>
-              </a:rPr>
-              <a:t>4124</a:t>
-            </a:r>
-            <a:r>
-              <a:rPr sz="1800" dirty="0">
-                <a:latin typeface="Courier"/>
-              </a:rPr>
-              <a:t>) </a:t>
+              <a:rPr/>
+              <a:t>For example, reading data into R can be tricky depending on how the data is stored, but packages can make this easier!</a:t>
             </a:r>
           </a:p>
         </p:txBody>
       </p:sp>
     </p:spTree>
   </p:cSld>
-  <p:clrMapOvr>
-    <a:masterClrMapping/>
-  </p:clrMapOvr>
 </p:sld>
 </file>
 
@@ -3198,7 +3803,13 @@
       </p:grpSpPr>
       <p:sp>
         <p:nvSpPr>
-          <p:cNvPr id="2" name="Title 1"/>
+          <p:cNvPr id="2" name="Title 1">
+            <a:extLst>
+              <a:ext uri="{FF2B5EF4-FFF2-40B4-BE49-F238E27FC236}">
+                <a16:creationId xmlns:a16="http://schemas.microsoft.com/office/drawing/2014/main" id="{3BEB2333-4531-4F49-98C7-71CE6B119B78}"/>
+              </a:ext>
+            </a:extLst>
+          </p:cNvPr>
           <p:cNvSpPr>
             <a:spLocks noGrp="1"/>
           </p:cNvSpPr>
@@ -3206,65 +3817,134 @@
             <p:ph type="title"/>
           </p:nvPr>
         </p:nvSpPr>
+        <p:spPr>
+          <a:xfrm>
+            <a:off x="494400" y="365125"/>
+            <a:ext cx="11203200" cy="1325563"/>
+          </a:xfrm>
+        </p:spPr>
+        <p:txBody>
+          <a:bodyPr/>
+          <a:lstStyle/>
+          <a:p>
+            <a:pPr lvl="0" marL="0" indent="0">
+              <a:buNone/>
+            </a:pPr>
+            <a:r>
+              <a:rPr/>
+              <a:t>Reading</a:t>
+            </a:r>
+            <a:r>
+              <a:rPr/>
+              <a:t> </a:t>
+            </a:r>
+            <a:r>
+              <a:rPr/>
+              <a:t>data</a:t>
+            </a:r>
+            <a:r>
+              <a:rPr/>
+              <a:t> </a:t>
+            </a:r>
+            <a:r>
+              <a:rPr/>
+              <a:t>into</a:t>
+            </a:r>
+            <a:r>
+              <a:rPr/>
+              <a:t> </a:t>
+            </a:r>
+            <a:r>
+              <a:rPr/>
+              <a:t>R</a:t>
+            </a:r>
+          </a:p>
+        </p:txBody>
+      </p:sp>
+      <p:sp>
+        <p:nvSpPr>
+          <p:cNvPr id="3" name="Content Placeholder 2">
+            <a:extLst>
+              <a:ext uri="{FF2B5EF4-FFF2-40B4-BE49-F238E27FC236}">
+                <a16:creationId xmlns:a16="http://schemas.microsoft.com/office/drawing/2014/main" id="{DB0BEE29-071E-4ED4-B0D5-046429DF4F91}"/>
+              </a:ext>
+            </a:extLst>
+          </p:cNvPr>
+          <p:cNvSpPr>
+            <a:spLocks noGrp="1"/>
+          </p:cNvSpPr>
+          <p:nvPr>
+            <p:ph idx="1"/>
+          </p:nvPr>
+        </p:nvSpPr>
         <p:spPr/>
         <p:txBody>
           <a:bodyPr/>
           <a:lstStyle/>
           <a:p>
-            <a:pPr marL="0" lvl="0" indent="0">
+            <a:pPr lvl="0" marL="0" indent="0">
               <a:buNone/>
             </a:pPr>
             <a:r>
-              <a:t>Saving scripts</a:t>
-            </a:r>
-          </a:p>
-        </p:txBody>
-      </p:sp>
-      <p:sp>
-        <p:nvSpPr>
-          <p:cNvPr id="3" name="Content Placeholder 2"/>
-          <p:cNvSpPr>
-            <a:spLocks noGrp="1"/>
-          </p:cNvSpPr>
-          <p:nvPr>
-            <p:ph idx="1"/>
-          </p:nvPr>
-        </p:nvSpPr>
-        <p:spPr/>
-        <p:txBody>
-          <a:bodyPr/>
-          <a:lstStyle/>
-          <a:p>
-            <a:pPr marL="0" lvl="0" indent="0">
+              <a:rPr/>
+              <a:t>Depending on what form the data is in, you have to use different functions to read in the data. Data you get may be in:</a:t>
+            </a:r>
+          </a:p>
+          <a:p>
+            <a:pPr lvl="1"/>
+            <a:r>
+              <a:rPr/>
+              <a:t>excel spreadsheets</a:t>
+            </a:r>
+          </a:p>
+          <a:p>
+            <a:pPr lvl="1"/>
+            <a:r>
+              <a:rPr/>
+              <a:t>comma seperated value (csv) files</a:t>
+            </a:r>
+          </a:p>
+          <a:p>
+            <a:pPr lvl="1"/>
+            <a:r>
+              <a:rPr/>
+              <a:t>text separated value (tsv) files</a:t>
+            </a:r>
+          </a:p>
+          <a:p>
+            <a:pPr lvl="1"/>
+            <a:r>
+              <a:rPr/>
+              <a:t>spss files</a:t>
+            </a:r>
+          </a:p>
+          <a:p>
+            <a:pPr lvl="1"/>
+            <a:r>
+              <a:rPr/>
+              <a:t>stata files</a:t>
+            </a:r>
+          </a:p>
+          <a:p>
+            <a:pPr lvl="1"/>
+            <a:r>
+              <a:rPr/>
+              <a:t>images (e.g. .png files)</a:t>
+            </a:r>
+          </a:p>
+          <a:p>
+            <a:pPr lvl="0" marL="0" indent="0">
               <a:buNone/>
             </a:pPr>
             <a:r>
-              <a:t>It’s important to save scripts as you go and you can always come back to them and send them to other people.</a:t>
-            </a:r>
-          </a:p>
-          <a:p>
-            <a:pPr marL="0" lvl="0" indent="0">
-              <a:buNone/>
-            </a:pPr>
-            <a:r>
-              <a:t>To save the script you can just press the save button in RStudio or press ctrl + S (or cmd + S for Macs).</a:t>
-            </a:r>
-          </a:p>
-          <a:p>
-            <a:pPr marL="0" lvl="0" indent="0">
-              <a:buNone/>
-            </a:pPr>
-            <a:r>
-              <a:t>Give the script a good name and save it regularly!</a:t>
+              <a:rPr/>
+              <a:t>These need different functions to read them in, some of which are only available with certain packages.</a:t>
             </a:r>
           </a:p>
         </p:txBody>
       </p:sp>
     </p:spTree>
   </p:cSld>
-  <p:clrMapOvr>
-    <a:masterClrMapping/>
-  </p:clrMapOvr>
 </p:sld>
 </file>
 
@@ -3285,107 +3965,38 @@
           <a:chExt cx="0" cy="0"/>
         </a:xfrm>
       </p:grpSpPr>
-      <p:sp>
-        <p:nvSpPr>
-          <p:cNvPr id="2" name="Title 1"/>
-          <p:cNvSpPr>
-            <a:spLocks noGrp="1"/>
-          </p:cNvSpPr>
-          <p:nvPr>
-            <p:ph type="title"/>
-          </p:nvPr>
-        </p:nvSpPr>
-        <p:spPr/>
-        <p:txBody>
-          <a:bodyPr/>
-          <a:lstStyle/>
-          <a:p>
-            <a:pPr marL="0" lvl="0" indent="0">
-              <a:buNone/>
-            </a:pPr>
-            <a:r>
-              <a:t>Summary</a:t>
-            </a:r>
-          </a:p>
-        </p:txBody>
-      </p:sp>
-      <p:sp>
-        <p:nvSpPr>
-          <p:cNvPr id="3" name="Content Placeholder 2"/>
-          <p:cNvSpPr>
-            <a:spLocks noGrp="1"/>
-          </p:cNvSpPr>
-          <p:nvPr>
-            <p:ph idx="1"/>
-          </p:nvPr>
-        </p:nvSpPr>
-        <p:spPr/>
-        <p:txBody>
-          <a:bodyPr/>
-          <a:lstStyle/>
-          <a:p>
-            <a:pPr marL="0" lvl="0" indent="0">
-              <a:buNone/>
-            </a:pPr>
-            <a:r>
-              <a:t>3 questions to think about before writing a script:</a:t>
-            </a:r>
-          </a:p>
-          <a:p>
-            <a:pPr lvl="1">
-              <a:buAutoNum type="arabicPeriod"/>
-            </a:pPr>
-            <a:r>
-              <a:t>Why am I writing this script?</a:t>
-            </a:r>
-          </a:p>
-          <a:p>
-            <a:pPr lvl="1">
-              <a:buAutoNum type="arabicPeriod"/>
-            </a:pPr>
-            <a:r>
-              <a:t>What do I need to write this script?</a:t>
-            </a:r>
-          </a:p>
-          <a:p>
-            <a:pPr lvl="1">
-              <a:buAutoNum type="arabicPeriod"/>
-            </a:pPr>
-            <a:r>
-              <a:t>How am I going to write this script?</a:t>
-            </a:r>
-          </a:p>
-          <a:p>
-            <a:pPr marL="0" lvl="0" indent="0">
-              <a:buNone/>
-            </a:pPr>
-            <a:endParaRPr/>
-          </a:p>
-          <a:p>
-            <a:pPr lvl="1"/>
-            <a:r>
-              <a:t>Comment your code a lot</a:t>
-            </a:r>
-          </a:p>
-          <a:p>
-            <a:pPr lvl="1"/>
-            <a:r>
-              <a:t>Make your code easy to read</a:t>
-            </a:r>
-          </a:p>
-          <a:p>
-            <a:pPr lvl="1"/>
-            <a:r>
-              <a:t>Save your scripts regularly</a:t>
-            </a:r>
-          </a:p>
-        </p:txBody>
-      </p:sp>
+      <p:pic>
+        <p:nvPicPr>
+          <p:cNvPr descr="../slides/figures/package-example.png" id="0" name="Picture 1"/>
+          <p:cNvPicPr>
+            <a:picLocks noGrp="1" noChangeAspect="1"/>
+          </p:cNvPicPr>
+          <p:nvPr/>
+        </p:nvPicPr>
+        <p:blipFill>
+          <a:blip r:embed="rId2"/>
+          <a:stretch>
+            <a:fillRect/>
+          </a:stretch>
+        </p:blipFill>
+        <p:spPr bwMode="auto">
+          <a:xfrm>
+            <a:off x="482600" y="2082800"/>
+            <a:ext cx="11201400" cy="3721100"/>
+          </a:xfrm>
+          <a:prstGeom prst="rect">
+            <a:avLst/>
+          </a:prstGeom>
+          <a:noFill/>
+          <a:ln w="9525">
+            <a:noFill/>
+            <a:headEnd/>
+            <a:tailEnd/>
+          </a:ln>
+        </p:spPr>
+      </p:pic>
     </p:spTree>
   </p:cSld>
-  <p:clrMapOvr>
-    <a:masterClrMapping/>
-  </p:clrMapOvr>
 </p:sld>
 </file>
 
@@ -3408,7 +4019,669 @@
       </p:grpSpPr>
       <p:sp>
         <p:nvSpPr>
-          <p:cNvPr id="3" name="Content Placeholder 2"/>
+          <p:cNvPr id="2" name="Title 1">
+            <a:extLst>
+              <a:ext uri="{FF2B5EF4-FFF2-40B4-BE49-F238E27FC236}">
+                <a16:creationId xmlns:a16="http://schemas.microsoft.com/office/drawing/2014/main" id="{8E349E27-7CDD-4911-B193-EF1903B149DF}"/>
+              </a:ext>
+            </a:extLst>
+          </p:cNvPr>
+          <p:cNvSpPr>
+            <a:spLocks noGrp="1"/>
+          </p:cNvSpPr>
+          <p:nvPr>
+            <p:ph type="title"/>
+          </p:nvPr>
+        </p:nvSpPr>
+        <p:spPr/>
+        <p:txBody>
+          <a:bodyPr/>
+          <a:lstStyle/>
+          <a:p>
+            <a:pPr lvl="0" marL="0" indent="0">
+              <a:buNone/>
+            </a:pPr>
+            <a:r>
+              <a:rPr/>
+              <a:t>Step</a:t>
+            </a:r>
+            <a:r>
+              <a:rPr/>
+              <a:t> </a:t>
+            </a:r>
+            <a:r>
+              <a:rPr/>
+              <a:t>3:</a:t>
+            </a:r>
+            <a:r>
+              <a:rPr/>
+              <a:t> </a:t>
+            </a:r>
+            <a:r>
+              <a:rPr/>
+              <a:t>How</a:t>
+            </a:r>
+            <a:r>
+              <a:rPr/>
+              <a:t> </a:t>
+            </a:r>
+            <a:r>
+              <a:rPr/>
+              <a:t>am</a:t>
+            </a:r>
+            <a:r>
+              <a:rPr/>
+              <a:t> </a:t>
+            </a:r>
+            <a:r>
+              <a:rPr/>
+              <a:t>I</a:t>
+            </a:r>
+            <a:r>
+              <a:rPr/>
+              <a:t> </a:t>
+            </a:r>
+            <a:r>
+              <a:rPr/>
+              <a:t>going</a:t>
+            </a:r>
+            <a:r>
+              <a:rPr/>
+              <a:t> </a:t>
+            </a:r>
+            <a:r>
+              <a:rPr/>
+              <a:t>to</a:t>
+            </a:r>
+            <a:r>
+              <a:rPr/>
+              <a:t> </a:t>
+            </a:r>
+            <a:r>
+              <a:rPr/>
+              <a:t>write</a:t>
+            </a:r>
+            <a:r>
+              <a:rPr/>
+              <a:t> </a:t>
+            </a:r>
+            <a:r>
+              <a:rPr/>
+              <a:t>this</a:t>
+            </a:r>
+            <a:r>
+              <a:rPr/>
+              <a:t> </a:t>
+            </a:r>
+            <a:r>
+              <a:rPr/>
+              <a:t>script?</a:t>
+            </a:r>
+          </a:p>
+        </p:txBody>
+      </p:sp>
+      <p:sp>
+        <p:nvSpPr>
+          <p:cNvPr id="3" name="Content Placeholder 2">
+            <a:extLst>
+              <a:ext uri="{FF2B5EF4-FFF2-40B4-BE49-F238E27FC236}">
+                <a16:creationId xmlns:a16="http://schemas.microsoft.com/office/drawing/2014/main" id="{0BEA19B5-91E3-4F4C-A589-6C6C950D6A58}"/>
+              </a:ext>
+            </a:extLst>
+          </p:cNvPr>
+          <p:cNvSpPr>
+            <a:spLocks noGrp="1"/>
+          </p:cNvSpPr>
+          <p:nvPr>
+            <p:ph sz="half" idx="1"/>
+          </p:nvPr>
+        </p:nvSpPr>
+        <p:spPr/>
+        <p:txBody>
+          <a:bodyPr/>
+          <a:lstStyle/>
+          <a:p>
+            <a:pPr lvl="1"/>
+            <a:r>
+              <a:rPr/>
+              <a:t>Linked to why you are writing it and what you need to write it!</a:t>
+            </a:r>
+          </a:p>
+          <a:p>
+            <a:pPr lvl="0" marL="0" indent="0">
+              <a:buNone/>
+            </a:pPr>
+            <a:r>
+              <a:rPr/>
+              <a:t>   * Write out each step</a:t>
+            </a:r>
+          </a:p>
+        </p:txBody>
+      </p:sp>
+      <p:pic>
+        <p:nvPicPr>
+          <p:cNvPr descr="../slides/figures/structure-example.png" id="0" name="Picture 1"/>
+          <p:cNvPicPr>
+            <a:picLocks noGrp="1" noChangeAspect="1"/>
+          </p:cNvPicPr>
+          <p:nvPr/>
+        </p:nvPicPr>
+        <p:blipFill>
+          <a:blip r:embed="rId2"/>
+          <a:stretch>
+            <a:fillRect/>
+          </a:stretch>
+        </p:blipFill>
+        <p:spPr bwMode="auto">
+          <a:xfrm>
+            <a:off x="6172200" y="2743200"/>
+            <a:ext cx="5524500" cy="2425700"/>
+          </a:xfrm>
+          <a:prstGeom prst="rect">
+            <a:avLst/>
+          </a:prstGeom>
+          <a:noFill/>
+          <a:ln w="9525">
+            <a:noFill/>
+            <a:headEnd/>
+            <a:tailEnd/>
+          </a:ln>
+        </p:spPr>
+      </p:pic>
+    </p:spTree>
+  </p:cSld>
+</p:sld>
+</file>
+
+<file path=ppt/slides/slide14.xml><?xml version="1.0" encoding="utf-8"?>
+<p:sld xmlns:a="http://schemas.openxmlformats.org/drawingml/2006/main" xmlns:r="http://schemas.openxmlformats.org/officeDocument/2006/relationships" xmlns:p="http://schemas.openxmlformats.org/presentationml/2006/main">
+  <p:cSld>
+    <p:spTree>
+      <p:nvGrpSpPr>
+        <p:cNvPr id="1" name=""/>
+        <p:cNvGrpSpPr/>
+        <p:nvPr/>
+      </p:nvGrpSpPr>
+      <p:grpSpPr>
+        <a:xfrm>
+          <a:off x="0" y="0"/>
+          <a:ext cx="0" cy="0"/>
+          <a:chOff x="0" y="0"/>
+          <a:chExt cx="0" cy="0"/>
+        </a:xfrm>
+      </p:grpSpPr>
+      <p:sp>
+        <p:nvSpPr>
+          <p:cNvPr id="2" name="Title 1">
+            <a:extLst>
+              <a:ext uri="{FF2B5EF4-FFF2-40B4-BE49-F238E27FC236}">
+                <a16:creationId xmlns:a16="http://schemas.microsoft.com/office/drawing/2014/main" id="{3BEB2333-4531-4F49-98C7-71CE6B119B78}"/>
+              </a:ext>
+            </a:extLst>
+          </p:cNvPr>
+          <p:cNvSpPr>
+            <a:spLocks noGrp="1"/>
+          </p:cNvSpPr>
+          <p:nvPr>
+            <p:ph type="title"/>
+          </p:nvPr>
+        </p:nvSpPr>
+        <p:spPr>
+          <a:xfrm>
+            <a:off x="494400" y="365125"/>
+            <a:ext cx="11203200" cy="1325563"/>
+          </a:xfrm>
+        </p:spPr>
+        <p:txBody>
+          <a:bodyPr/>
+          <a:lstStyle/>
+          <a:p>
+            <a:pPr lvl="0" marL="0" indent="0">
+              <a:buNone/>
+            </a:pPr>
+            <a:r>
+              <a:rPr/>
+              <a:t>Top</a:t>
+            </a:r>
+            <a:r>
+              <a:rPr/>
+              <a:t> </a:t>
+            </a:r>
+            <a:r>
+              <a:rPr/>
+              <a:t>of</a:t>
+            </a:r>
+            <a:r>
+              <a:rPr/>
+              <a:t> </a:t>
+            </a:r>
+            <a:r>
+              <a:rPr/>
+              <a:t>the</a:t>
+            </a:r>
+            <a:r>
+              <a:rPr/>
+              <a:t> </a:t>
+            </a:r>
+            <a:r>
+              <a:rPr/>
+              <a:t>script</a:t>
+            </a:r>
+          </a:p>
+        </p:txBody>
+      </p:sp>
+      <p:pic>
+        <p:nvPicPr>
+          <p:cNvPr descr="../slides/figures/top-of-script.png" id="0" name="Picture 1"/>
+          <p:cNvPicPr>
+            <a:picLocks noGrp="1" noChangeAspect="1"/>
+          </p:cNvPicPr>
+          <p:nvPr/>
+        </p:nvPicPr>
+        <p:blipFill>
+          <a:blip r:embed="rId2"/>
+          <a:stretch>
+            <a:fillRect/>
+          </a:stretch>
+        </p:blipFill>
+        <p:spPr bwMode="auto">
+          <a:xfrm>
+            <a:off x="3314700" y="1816100"/>
+            <a:ext cx="5537200" cy="4267200"/>
+          </a:xfrm>
+          <a:prstGeom prst="rect">
+            <a:avLst/>
+          </a:prstGeom>
+          <a:noFill/>
+          <a:ln w="9525">
+            <a:noFill/>
+            <a:headEnd/>
+            <a:tailEnd/>
+          </a:ln>
+        </p:spPr>
+      </p:pic>
+    </p:spTree>
+  </p:cSld>
+</p:sld>
+</file>
+
+<file path=ppt/slides/slide15.xml><?xml version="1.0" encoding="utf-8"?>
+<p:sld xmlns:a="http://schemas.openxmlformats.org/drawingml/2006/main" xmlns:r="http://schemas.openxmlformats.org/officeDocument/2006/relationships" xmlns:p="http://schemas.openxmlformats.org/presentationml/2006/main">
+  <p:cSld>
+    <p:spTree>
+      <p:nvGrpSpPr>
+        <p:cNvPr id="1" name=""/>
+        <p:cNvGrpSpPr/>
+        <p:nvPr/>
+      </p:nvGrpSpPr>
+      <p:grpSpPr>
+        <a:xfrm>
+          <a:off x="0" y="0"/>
+          <a:ext cx="0" cy="0"/>
+          <a:chOff x="0" y="0"/>
+          <a:chExt cx="0" cy="0"/>
+        </a:xfrm>
+      </p:grpSpPr>
+      <p:sp>
+        <p:nvSpPr>
+          <p:cNvPr id="2" name="Title 1">
+            <a:extLst>
+              <a:ext uri="{FF2B5EF4-FFF2-40B4-BE49-F238E27FC236}">
+                <a16:creationId xmlns:a16="http://schemas.microsoft.com/office/drawing/2014/main" id="{8E349E27-7CDD-4911-B193-EF1903B149DF}"/>
+              </a:ext>
+            </a:extLst>
+          </p:cNvPr>
+          <p:cNvSpPr>
+            <a:spLocks noGrp="1"/>
+          </p:cNvSpPr>
+          <p:nvPr>
+            <p:ph type="title"/>
+          </p:nvPr>
+        </p:nvSpPr>
+        <p:spPr/>
+        <p:txBody>
+          <a:bodyPr/>
+          <a:lstStyle/>
+          <a:p>
+            <a:pPr lvl="0" marL="0" indent="0">
+              <a:buNone/>
+            </a:pPr>
+            <a:r>
+              <a:rPr/>
+              <a:t>Make</a:t>
+            </a:r>
+            <a:r>
+              <a:rPr/>
+              <a:t> </a:t>
+            </a:r>
+            <a:r>
+              <a:rPr/>
+              <a:t>your</a:t>
+            </a:r>
+            <a:r>
+              <a:rPr/>
+              <a:t> </a:t>
+            </a:r>
+            <a:r>
+              <a:rPr/>
+              <a:t>code</a:t>
+            </a:r>
+            <a:r>
+              <a:rPr/>
+              <a:t> </a:t>
+            </a:r>
+            <a:r>
+              <a:rPr/>
+              <a:t>easy</a:t>
+            </a:r>
+            <a:r>
+              <a:rPr/>
+              <a:t> </a:t>
+            </a:r>
+            <a:r>
+              <a:rPr/>
+              <a:t>to</a:t>
+            </a:r>
+            <a:r>
+              <a:rPr/>
+              <a:t> </a:t>
+            </a:r>
+            <a:r>
+              <a:rPr/>
+              <a:t>read</a:t>
+            </a:r>
+          </a:p>
+        </p:txBody>
+      </p:sp>
+      <p:sp>
+        <p:nvSpPr>
+          <p:cNvPr id="3" name="Content Placeholder 2">
+            <a:extLst>
+              <a:ext uri="{FF2B5EF4-FFF2-40B4-BE49-F238E27FC236}">
+                <a16:creationId xmlns:a16="http://schemas.microsoft.com/office/drawing/2014/main" id="{0BEA19B5-91E3-4F4C-A589-6C6C950D6A58}"/>
+              </a:ext>
+            </a:extLst>
+          </p:cNvPr>
+          <p:cNvSpPr>
+            <a:spLocks noGrp="1"/>
+          </p:cNvSpPr>
+          <p:nvPr>
+            <p:ph sz="half" idx="1"/>
+          </p:nvPr>
+        </p:nvSpPr>
+        <p:spPr/>
+        <p:txBody>
+          <a:bodyPr/>
+          <a:lstStyle/>
+          <a:p>
+            <a:pPr lvl="1">
+              <a:buAutoNum type="arabicPeriod"/>
+            </a:pPr>
+            <a:r>
+              <a:rPr/>
+              <a:t>Use a consistent style when writing code</a:t>
+            </a:r>
+          </a:p>
+          <a:p>
+            <a:pPr lvl="0" marL="0" indent="0">
+              <a:buNone/>
+            </a:pPr>
+          </a:p>
+          <a:p>
+            <a:pPr lvl="0" marL="0" indent="0">
+              <a:buNone/>
+            </a:pPr>
+          </a:p>
+          <a:p>
+            <a:pPr lvl="0" marL="0" indent="0">
+              <a:buNone/>
+            </a:pPr>
+          </a:p>
+          <a:p>
+            <a:pPr lvl="0" marL="0" indent="0">
+              <a:buNone/>
+            </a:pPr>
+          </a:p>
+          <a:p>
+            <a:pPr lvl="1">
+              <a:buAutoNum startAt="2" type="arabicPeriod"/>
+            </a:pPr>
+            <a:r>
+              <a:rPr/>
+              <a:t>Use spaces appropriately</a:t>
+            </a:r>
+          </a:p>
+        </p:txBody>
+      </p:sp>
+      <p:pic>
+        <p:nvPicPr>
+          <p:cNvPr descr="../slides/figures/hard-to-read-code.png" id="0" name="Picture 1"/>
+          <p:cNvPicPr>
+            <a:picLocks noGrp="1" noChangeAspect="1"/>
+          </p:cNvPicPr>
+          <p:nvPr/>
+        </p:nvPicPr>
+        <p:blipFill>
+          <a:blip r:embed="rId2"/>
+          <a:stretch>
+            <a:fillRect/>
+          </a:stretch>
+        </p:blipFill>
+        <p:spPr bwMode="auto">
+          <a:xfrm>
+            <a:off x="6172200" y="1981200"/>
+            <a:ext cx="5524500" cy="3924300"/>
+          </a:xfrm>
+          <a:prstGeom prst="rect">
+            <a:avLst/>
+          </a:prstGeom>
+          <a:noFill/>
+          <a:ln w="9525">
+            <a:noFill/>
+            <a:headEnd/>
+            <a:tailEnd/>
+          </a:ln>
+        </p:spPr>
+      </p:pic>
+    </p:spTree>
+  </p:cSld>
+</p:sld>
+</file>
+
+<file path=ppt/slides/slide16.xml><?xml version="1.0" encoding="utf-8"?>
+<p:sld xmlns:a="http://schemas.openxmlformats.org/drawingml/2006/main" xmlns:r="http://schemas.openxmlformats.org/officeDocument/2006/relationships" xmlns:p="http://schemas.openxmlformats.org/presentationml/2006/main">
+  <p:cSld>
+    <p:spTree>
+      <p:nvGrpSpPr>
+        <p:cNvPr id="1" name=""/>
+        <p:cNvGrpSpPr/>
+        <p:nvPr/>
+      </p:nvGrpSpPr>
+      <p:grpSpPr>
+        <a:xfrm>
+          <a:off x="0" y="0"/>
+          <a:ext cx="0" cy="0"/>
+          <a:chOff x="0" y="0"/>
+          <a:chExt cx="0" cy="0"/>
+        </a:xfrm>
+      </p:grpSpPr>
+      <p:sp>
+        <p:nvSpPr>
+          <p:cNvPr id="2" name="Title 1">
+            <a:extLst>
+              <a:ext uri="{FF2B5EF4-FFF2-40B4-BE49-F238E27FC236}">
+                <a16:creationId xmlns:a16="http://schemas.microsoft.com/office/drawing/2014/main" id="{8E349E27-7CDD-4911-B193-EF1903B149DF}"/>
+              </a:ext>
+            </a:extLst>
+          </p:cNvPr>
+          <p:cNvSpPr>
+            <a:spLocks noGrp="1"/>
+          </p:cNvSpPr>
+          <p:nvPr>
+            <p:ph type="title"/>
+          </p:nvPr>
+        </p:nvSpPr>
+        <p:spPr/>
+        <p:txBody>
+          <a:bodyPr/>
+          <a:lstStyle/>
+          <a:p>
+            <a:pPr lvl="0" marL="0" indent="0">
+              <a:buNone/>
+            </a:pPr>
+            <a:r>
+              <a:rPr/>
+              <a:t>Saving</a:t>
+            </a:r>
+            <a:r>
+              <a:rPr/>
+              <a:t> </a:t>
+            </a:r>
+            <a:r>
+              <a:rPr/>
+              <a:t>scripts</a:t>
+            </a:r>
+          </a:p>
+        </p:txBody>
+      </p:sp>
+      <p:sp>
+        <p:nvSpPr>
+          <p:cNvPr id="3" name="Content Placeholder 2">
+            <a:extLst>
+              <a:ext uri="{FF2B5EF4-FFF2-40B4-BE49-F238E27FC236}">
+                <a16:creationId xmlns:a16="http://schemas.microsoft.com/office/drawing/2014/main" id="{0BEA19B5-91E3-4F4C-A589-6C6C950D6A58}"/>
+              </a:ext>
+            </a:extLst>
+          </p:cNvPr>
+          <p:cNvSpPr>
+            <a:spLocks noGrp="1"/>
+          </p:cNvSpPr>
+          <p:nvPr>
+            <p:ph sz="half" idx="1"/>
+          </p:nvPr>
+        </p:nvSpPr>
+        <p:spPr/>
+        <p:txBody>
+          <a:bodyPr/>
+          <a:lstStyle/>
+          <a:p>
+            <a:pPr lvl="1"/>
+            <a:r>
+              <a:rPr/>
+              <a:t>It’s important to save scripts as you go and you can always come back to them and send them to other people.</a:t>
+            </a:r>
+          </a:p>
+          <a:p>
+            <a:pPr lvl="0" marL="0" indent="0">
+              <a:buNone/>
+            </a:pPr>
+          </a:p>
+          <a:p>
+            <a:pPr lvl="1"/>
+            <a:r>
+              <a:rPr/>
+              <a:t>Give the script a good name and save it regularly!</a:t>
+            </a:r>
+          </a:p>
+        </p:txBody>
+      </p:sp>
+      <p:pic>
+        <p:nvPicPr>
+          <p:cNvPr descr="../slides/figures/save-script.png" id="0" name="Picture 1"/>
+          <p:cNvPicPr>
+            <a:picLocks noGrp="1" noChangeAspect="1"/>
+          </p:cNvPicPr>
+          <p:nvPr/>
+        </p:nvPicPr>
+        <p:blipFill>
+          <a:blip r:embed="rId2"/>
+          <a:stretch>
+            <a:fillRect/>
+          </a:stretch>
+        </p:blipFill>
+        <p:spPr bwMode="auto">
+          <a:xfrm>
+            <a:off x="6172200" y="2908300"/>
+            <a:ext cx="5524500" cy="2082800"/>
+          </a:xfrm>
+          <a:prstGeom prst="rect">
+            <a:avLst/>
+          </a:prstGeom>
+          <a:noFill/>
+          <a:ln w="9525">
+            <a:noFill/>
+            <a:headEnd/>
+            <a:tailEnd/>
+          </a:ln>
+        </p:spPr>
+      </p:pic>
+    </p:spTree>
+  </p:cSld>
+</p:sld>
+</file>
+
+<file path=ppt/slides/slide17.xml><?xml version="1.0" encoding="utf-8"?>
+<p:sld xmlns:a="http://schemas.openxmlformats.org/drawingml/2006/main" xmlns:r="http://schemas.openxmlformats.org/officeDocument/2006/relationships" xmlns:p="http://schemas.openxmlformats.org/presentationml/2006/main">
+  <p:cSld>
+    <p:spTree>
+      <p:nvGrpSpPr>
+        <p:cNvPr id="1" name=""/>
+        <p:cNvGrpSpPr/>
+        <p:nvPr/>
+      </p:nvGrpSpPr>
+      <p:grpSpPr>
+        <a:xfrm>
+          <a:off x="0" y="0"/>
+          <a:ext cx="0" cy="0"/>
+          <a:chOff x="0" y="0"/>
+          <a:chExt cx="0" cy="0"/>
+        </a:xfrm>
+      </p:grpSpPr>
+      <p:sp>
+        <p:nvSpPr>
+          <p:cNvPr id="2" name="Title 1">
+            <a:extLst>
+              <a:ext uri="{FF2B5EF4-FFF2-40B4-BE49-F238E27FC236}">
+                <a16:creationId xmlns:a16="http://schemas.microsoft.com/office/drawing/2014/main" id="{3BEB2333-4531-4F49-98C7-71CE6B119B78}"/>
+              </a:ext>
+            </a:extLst>
+          </p:cNvPr>
+          <p:cNvSpPr>
+            <a:spLocks noGrp="1"/>
+          </p:cNvSpPr>
+          <p:nvPr>
+            <p:ph type="title"/>
+          </p:nvPr>
+        </p:nvSpPr>
+        <p:spPr>
+          <a:xfrm>
+            <a:off x="494400" y="365125"/>
+            <a:ext cx="11203200" cy="1325563"/>
+          </a:xfrm>
+        </p:spPr>
+        <p:txBody>
+          <a:bodyPr/>
+          <a:lstStyle/>
+          <a:p>
+            <a:pPr lvl="0" marL="0" indent="0">
+              <a:buNone/>
+            </a:pPr>
+            <a:r>
+              <a:rPr/>
+              <a:t>Summary</a:t>
+            </a:r>
+          </a:p>
+        </p:txBody>
+      </p:sp>
+      <p:sp>
+        <p:nvSpPr>
+          <p:cNvPr id="3" name="Content Placeholder 2">
+            <a:extLst>
+              <a:ext uri="{FF2B5EF4-FFF2-40B4-BE49-F238E27FC236}">
+                <a16:creationId xmlns:a16="http://schemas.microsoft.com/office/drawing/2014/main" id="{DB0BEE29-071E-4ED4-B0D5-046429DF4F91}"/>
+              </a:ext>
+            </a:extLst>
+          </p:cNvPr>
           <p:cNvSpPr>
             <a:spLocks noGrp="1"/>
           </p:cNvSpPr>
@@ -3421,17 +4694,179 @@
           <a:bodyPr/>
           <a:lstStyle/>
           <a:p>
-            <a:pPr marL="0" lvl="0" indent="0">
+            <a:pPr lvl="0" marL="0" indent="0">
               <a:buNone/>
             </a:pPr>
             <a:r>
-              <a:rPr dirty="0"/>
-              <a:t>Slides and markdown script is available here: </a:t>
-            </a:r>
-            <a:r>
-              <a:rPr dirty="0">
+              <a:rPr/>
+              <a:t>3 questions to think about before writing a script:</a:t>
+            </a:r>
+          </a:p>
+          <a:p>
+            <a:pPr lvl="1">
+              <a:buAutoNum type="arabicPeriod"/>
+            </a:pPr>
+            <a:r>
+              <a:rPr/>
+              <a:t>Why am I writing this script?</a:t>
+            </a:r>
+          </a:p>
+          <a:p>
+            <a:pPr lvl="1">
+              <a:buAutoNum type="arabicPeriod"/>
+            </a:pPr>
+            <a:r>
+              <a:rPr/>
+              <a:t>What do I need to write this script?</a:t>
+            </a:r>
+          </a:p>
+          <a:p>
+            <a:pPr lvl="1">
+              <a:buAutoNum type="arabicPeriod"/>
+            </a:pPr>
+            <a:r>
+              <a:rPr/>
+              <a:t>How am I going to write this script?</a:t>
+            </a:r>
+          </a:p>
+          <a:p>
+            <a:pPr lvl="0" marL="0" indent="0">
+              <a:buNone/>
+            </a:pPr>
+          </a:p>
+          <a:p>
+            <a:pPr lvl="1"/>
+            <a:r>
+              <a:rPr/>
+              <a:t>Comment your code a lot (using #)</a:t>
+            </a:r>
+          </a:p>
+          <a:p>
+            <a:pPr lvl="1"/>
+            <a:r>
+              <a:rPr/>
+              <a:t>Make your code easy to read</a:t>
+            </a:r>
+          </a:p>
+          <a:p>
+            <a:pPr lvl="1"/>
+            <a:r>
+              <a:rPr/>
+              <a:t>Save your scripts regularly</a:t>
+            </a:r>
+          </a:p>
+        </p:txBody>
+      </p:sp>
+    </p:spTree>
+  </p:cSld>
+</p:sld>
+</file>
+
+<file path=ppt/slides/slide18.xml><?xml version="1.0" encoding="utf-8"?>
+<p:sld xmlns:a="http://schemas.openxmlformats.org/drawingml/2006/main" xmlns:r="http://schemas.openxmlformats.org/officeDocument/2006/relationships" xmlns:p="http://schemas.openxmlformats.org/presentationml/2006/main">
+  <p:cSld>
+    <p:spTree>
+      <p:nvGrpSpPr>
+        <p:cNvPr id="1" name=""/>
+        <p:cNvGrpSpPr/>
+        <p:nvPr/>
+      </p:nvGrpSpPr>
+      <p:grpSpPr>
+        <a:xfrm>
+          <a:off x="0" y="0"/>
+          <a:ext cx="0" cy="0"/>
+          <a:chOff x="0" y="0"/>
+          <a:chExt cx="0" cy="0"/>
+        </a:xfrm>
+      </p:grpSpPr>
+      <p:sp>
+        <p:nvSpPr>
+          <p:cNvPr id="2" name="Title 1">
+            <a:extLst>
+              <a:ext uri="{FF2B5EF4-FFF2-40B4-BE49-F238E27FC236}">
+                <a16:creationId xmlns:a16="http://schemas.microsoft.com/office/drawing/2014/main" id="{3BEB2333-4531-4F49-98C7-71CE6B119B78}"/>
+              </a:ext>
+            </a:extLst>
+          </p:cNvPr>
+          <p:cNvSpPr>
+            <a:spLocks noGrp="1"/>
+          </p:cNvSpPr>
+          <p:nvPr>
+            <p:ph type="title"/>
+          </p:nvPr>
+        </p:nvSpPr>
+        <p:spPr>
+          <a:xfrm>
+            <a:off x="494400" y="365125"/>
+            <a:ext cx="11203200" cy="1325563"/>
+          </a:xfrm>
+        </p:spPr>
+        <p:txBody>
+          <a:bodyPr/>
+          <a:lstStyle/>
+          <a:p>
+            <a:pPr lvl="0" marL="0" indent="0">
+              <a:buNone/>
+            </a:pPr>
+            <a:r>
+              <a:rPr/>
+              <a:t>Git</a:t>
+            </a:r>
+          </a:p>
+        </p:txBody>
+      </p:sp>
+      <p:sp>
+        <p:nvSpPr>
+          <p:cNvPr id="3" name="Content Placeholder 2">
+            <a:extLst>
+              <a:ext uri="{FF2B5EF4-FFF2-40B4-BE49-F238E27FC236}">
+                <a16:creationId xmlns:a16="http://schemas.microsoft.com/office/drawing/2014/main" id="{DB0BEE29-071E-4ED4-B0D5-046429DF4F91}"/>
+              </a:ext>
+            </a:extLst>
+          </p:cNvPr>
+          <p:cNvSpPr>
+            <a:spLocks noGrp="1"/>
+          </p:cNvSpPr>
+          <p:nvPr>
+            <p:ph idx="1"/>
+          </p:nvPr>
+        </p:nvSpPr>
+        <p:spPr/>
+        <p:txBody>
+          <a:bodyPr/>
+          <a:lstStyle/>
+          <a:p>
+            <a:pPr lvl="1"/>
+            <a:r>
+              <a:rPr/>
+              <a:t>One way to share scripts with the world (or just your collaborators) is through </a:t>
+            </a:r>
+            <a:r>
+              <a:rPr>
                 <a:hlinkClick r:id="rId2"/>
               </a:rPr>
+              <a:t>GitHub</a:t>
+            </a:r>
+            <a:r>
+              <a:rPr/>
+              <a:t>.</a:t>
+            </a:r>
+          </a:p>
+          <a:p>
+            <a:pPr lvl="0" marL="0" indent="0">
+              <a:buNone/>
+            </a:pPr>
+          </a:p>
+          <a:p>
+            <a:pPr lvl="1"/>
+            <a:r>
+              <a:rPr/>
+              <a:t>Slides are available here: </a:t>
+            </a:r>
+            <a:r>
+              <a:rPr>
+                <a:hlinkClick r:id="rId3"/>
+              </a:rPr>
               <a:t>https://github.com/thomasbattram/how_to_write_a_script</a:t>
             </a:r>
           </a:p>
@@ -3439,9 +4874,133 @@
       </p:sp>
     </p:spTree>
   </p:cSld>
-  <p:clrMapOvr>
-    <a:masterClrMapping/>
-  </p:clrMapOvr>
+</p:sld>
+</file>
+
+<file path=ppt/slides/slide19.xml><?xml version="1.0" encoding="utf-8"?>
+<p:sld xmlns:a="http://schemas.openxmlformats.org/drawingml/2006/main" xmlns:r="http://schemas.openxmlformats.org/officeDocument/2006/relationships" xmlns:p="http://schemas.openxmlformats.org/presentationml/2006/main">
+  <p:cSld>
+    <p:spTree>
+      <p:nvGrpSpPr>
+        <p:cNvPr id="1" name=""/>
+        <p:cNvGrpSpPr/>
+        <p:nvPr/>
+      </p:nvGrpSpPr>
+      <p:grpSpPr>
+        <a:xfrm>
+          <a:off x="0" y="0"/>
+          <a:ext cx="0" cy="0"/>
+          <a:chOff x="0" y="0"/>
+          <a:chExt cx="0" cy="0"/>
+        </a:xfrm>
+      </p:grpSpPr>
+      <p:sp>
+        <p:nvSpPr>
+          <p:cNvPr id="2" name="Title 1">
+            <a:extLst>
+              <a:ext uri="{FF2B5EF4-FFF2-40B4-BE49-F238E27FC236}">
+                <a16:creationId xmlns:a16="http://schemas.microsoft.com/office/drawing/2014/main" id="{3BEB2333-4531-4F49-98C7-71CE6B119B78}"/>
+              </a:ext>
+            </a:extLst>
+          </p:cNvPr>
+          <p:cNvSpPr>
+            <a:spLocks noGrp="1"/>
+          </p:cNvSpPr>
+          <p:nvPr>
+            <p:ph type="title"/>
+          </p:nvPr>
+        </p:nvSpPr>
+        <p:spPr>
+          <a:xfrm>
+            <a:off x="494400" y="365125"/>
+            <a:ext cx="11203200" cy="1325563"/>
+          </a:xfrm>
+        </p:spPr>
+        <p:txBody>
+          <a:bodyPr/>
+          <a:lstStyle/>
+          <a:p>
+            <a:pPr lvl="0" marL="0" indent="0">
+              <a:buNone/>
+            </a:pPr>
+            <a:r>
+              <a:rPr/>
+              <a:t>On</a:t>
+            </a:r>
+            <a:r>
+              <a:rPr/>
+              <a:t> </a:t>
+            </a:r>
+            <a:r>
+              <a:rPr/>
+              <a:t>to</a:t>
+            </a:r>
+            <a:r>
+              <a:rPr/>
+              <a:t> </a:t>
+            </a:r>
+            <a:r>
+              <a:rPr/>
+              <a:t>the</a:t>
+            </a:r>
+            <a:r>
+              <a:rPr/>
+              <a:t> </a:t>
+            </a:r>
+            <a:r>
+              <a:rPr/>
+              <a:t>practical!!</a:t>
+            </a:r>
+          </a:p>
+        </p:txBody>
+      </p:sp>
+      <p:sp>
+        <p:nvSpPr>
+          <p:cNvPr id="3" name="Content Placeholder 2">
+            <a:extLst>
+              <a:ext uri="{FF2B5EF4-FFF2-40B4-BE49-F238E27FC236}">
+                <a16:creationId xmlns:a16="http://schemas.microsoft.com/office/drawing/2014/main" id="{DB0BEE29-071E-4ED4-B0D5-046429DF4F91}"/>
+              </a:ext>
+            </a:extLst>
+          </p:cNvPr>
+          <p:cNvSpPr>
+            <a:spLocks noGrp="1"/>
+          </p:cNvSpPr>
+          <p:nvPr>
+            <p:ph idx="1"/>
+          </p:nvPr>
+        </p:nvSpPr>
+        <p:spPr/>
+        <p:txBody>
+          <a:bodyPr/>
+          <a:lstStyle/>
+          <a:p>
+            <a:pPr lvl="1"/>
+            <a:r>
+              <a:rPr>
+                <a:hlinkClick r:id="rId2"/>
+              </a:rPr>
+              <a:t>Bad script</a:t>
+            </a:r>
+          </a:p>
+          <a:p>
+            <a:pPr lvl="0" marL="0" indent="0">
+              <a:buNone/>
+            </a:pPr>
+          </a:p>
+          <a:p>
+            <a:pPr lvl="1"/>
+            <a:r>
+              <a:rPr>
+                <a:hlinkClick r:id="rId3"/>
+              </a:rPr>
+              <a:t>Good script</a:t>
+            </a:r>
+          </a:p>
+        </p:txBody>
+      </p:sp>
+    </p:spTree>
+  </p:cSld>
 </p:sld>
 </file>
 
@@ -3464,7 +5023,13 @@
       </p:grpSpPr>
       <p:sp>
         <p:nvSpPr>
-          <p:cNvPr id="2" name="Title 1"/>
+          <p:cNvPr id="2" name="Title 1">
+            <a:extLst>
+              <a:ext uri="{FF2B5EF4-FFF2-40B4-BE49-F238E27FC236}">
+                <a16:creationId xmlns:a16="http://schemas.microsoft.com/office/drawing/2014/main" id="{3BEB2333-4531-4F49-98C7-71CE6B119B78}"/>
+              </a:ext>
+            </a:extLst>
+          </p:cNvPr>
           <p:cNvSpPr>
             <a:spLocks noGrp="1"/>
           </p:cNvSpPr>
@@ -3472,61 +5037,85 @@
             <p:ph type="title"/>
           </p:nvPr>
         </p:nvSpPr>
+        <p:spPr>
+          <a:xfrm>
+            <a:off x="494400" y="365125"/>
+            <a:ext cx="11203200" cy="1325563"/>
+          </a:xfrm>
+        </p:spPr>
+        <p:txBody>
+          <a:bodyPr/>
+          <a:lstStyle/>
+          <a:p>
+            <a:pPr lvl="0" marL="0" indent="0">
+              <a:buNone/>
+            </a:pPr>
+            <a:r>
+              <a:rPr/>
+              <a:t>Outline</a:t>
+            </a:r>
+          </a:p>
+        </p:txBody>
+      </p:sp>
+      <p:sp>
+        <p:nvSpPr>
+          <p:cNvPr id="3" name="Content Placeholder 2">
+            <a:extLst>
+              <a:ext uri="{FF2B5EF4-FFF2-40B4-BE49-F238E27FC236}">
+                <a16:creationId xmlns:a16="http://schemas.microsoft.com/office/drawing/2014/main" id="{DB0BEE29-071E-4ED4-B0D5-046429DF4F91}"/>
+              </a:ext>
+            </a:extLst>
+          </p:cNvPr>
+          <p:cNvSpPr>
+            <a:spLocks noGrp="1"/>
+          </p:cNvSpPr>
+          <p:nvPr>
+            <p:ph idx="1"/>
+          </p:nvPr>
+        </p:nvSpPr>
         <p:spPr/>
         <p:txBody>
           <a:bodyPr/>
           <a:lstStyle/>
           <a:p>
-            <a:pPr marL="0" lvl="0" indent="0">
-              <a:buNone/>
-            </a:pPr>
-            <a:r>
-              <a:t>Outline</a:t>
-            </a:r>
-          </a:p>
-        </p:txBody>
-      </p:sp>
-      <p:sp>
-        <p:nvSpPr>
-          <p:cNvPr id="3" name="Content Placeholder 2"/>
-          <p:cNvSpPr>
-            <a:spLocks noGrp="1"/>
-          </p:cNvSpPr>
-          <p:nvPr>
-            <p:ph idx="1"/>
-          </p:nvPr>
-        </p:nvSpPr>
-        <p:spPr/>
-        <p:txBody>
-          <a:bodyPr/>
-          <a:lstStyle/>
-          <a:p>
             <a:pPr lvl="1"/>
             <a:r>
+              <a:rPr/>
+              <a:t>Making a new R script</a:t>
+            </a:r>
+          </a:p>
+          <a:p>
+            <a:pPr lvl="1"/>
+            <a:r>
+              <a:rPr/>
               <a:t>Commenting your scripts</a:t>
             </a:r>
           </a:p>
           <a:p>
             <a:pPr lvl="1"/>
             <a:r>
+              <a:rPr/>
               <a:t>What to think about before starting to script</a:t>
             </a:r>
           </a:p>
           <a:p>
             <a:pPr lvl="1"/>
             <a:r>
+              <a:rPr/>
               <a:t>How the top of your script should look</a:t>
             </a:r>
           </a:p>
           <a:p>
             <a:pPr lvl="1"/>
             <a:r>
+              <a:rPr/>
               <a:t>Making your code easier to read</a:t>
             </a:r>
           </a:p>
           <a:p>
             <a:pPr lvl="1"/>
             <a:r>
+              <a:rPr/>
               <a:t>Saving your scripts</a:t>
             </a:r>
           </a:p>
@@ -3534,9 +5123,6 @@
       </p:sp>
     </p:spTree>
   </p:cSld>
-  <p:clrMapOvr>
-    <a:masterClrMapping/>
-  </p:clrMapOvr>
 </p:sld>
 </file>
 
@@ -3559,7 +5145,13 @@
       </p:grpSpPr>
       <p:sp>
         <p:nvSpPr>
-          <p:cNvPr id="2" name="Title 1"/>
+          <p:cNvPr id="2" name="Title 1">
+            <a:extLst>
+              <a:ext uri="{FF2B5EF4-FFF2-40B4-BE49-F238E27FC236}">
+                <a16:creationId xmlns:a16="http://schemas.microsoft.com/office/drawing/2014/main" id="{3BEB2333-4531-4F49-98C7-71CE6B119B78}"/>
+              </a:ext>
+            </a:extLst>
+          </p:cNvPr>
           <p:cNvSpPr>
             <a:spLocks noGrp="1"/>
           </p:cNvSpPr>
@@ -3567,206 +5159,121 @@
             <p:ph type="title"/>
           </p:nvPr>
         </p:nvSpPr>
+        <p:spPr>
+          <a:xfrm>
+            <a:off x="494400" y="365125"/>
+            <a:ext cx="11203200" cy="1325563"/>
+          </a:xfrm>
+        </p:spPr>
+        <p:txBody>
+          <a:bodyPr/>
+          <a:lstStyle/>
+          <a:p>
+            <a:pPr lvl="0" marL="0" indent="0">
+              <a:buNone/>
+            </a:pPr>
+            <a:r>
+              <a:rPr/>
+              <a:t>Making</a:t>
+            </a:r>
+            <a:r>
+              <a:rPr/>
+              <a:t> </a:t>
+            </a:r>
+            <a:r>
+              <a:rPr/>
+              <a:t>a</a:t>
+            </a:r>
+            <a:r>
+              <a:rPr/>
+              <a:t> </a:t>
+            </a:r>
+            <a:r>
+              <a:rPr/>
+              <a:t>new</a:t>
+            </a:r>
+            <a:r>
+              <a:rPr/>
+              <a:t> </a:t>
+            </a:r>
+            <a:r>
+              <a:rPr/>
+              <a:t>R</a:t>
+            </a:r>
+            <a:r>
+              <a:rPr/>
+              <a:t> </a:t>
+            </a:r>
+            <a:r>
+              <a:rPr/>
+              <a:t>script</a:t>
+            </a:r>
+          </a:p>
+        </p:txBody>
+      </p:sp>
+      <p:sp>
+        <p:nvSpPr>
+          <p:cNvPr id="3" name="Content Placeholder 2">
+            <a:extLst>
+              <a:ext uri="{FF2B5EF4-FFF2-40B4-BE49-F238E27FC236}">
+                <a16:creationId xmlns:a16="http://schemas.microsoft.com/office/drawing/2014/main" id="{DB0BEE29-071E-4ED4-B0D5-046429DF4F91}"/>
+              </a:ext>
+            </a:extLst>
+          </p:cNvPr>
+          <p:cNvSpPr>
+            <a:spLocks noGrp="1"/>
+          </p:cNvSpPr>
+          <p:nvPr>
+            <p:ph idx="1"/>
+          </p:nvPr>
+        </p:nvSpPr>
         <p:spPr/>
         <p:txBody>
           <a:bodyPr/>
           <a:lstStyle/>
           <a:p>
-            <a:pPr marL="0" lvl="0" indent="0">
-              <a:buNone/>
-            </a:pPr>
-            <a:r>
-              <a:t>Commenting</a:t>
-            </a:r>
-          </a:p>
-        </p:txBody>
-      </p:sp>
-      <p:sp>
-        <p:nvSpPr>
-          <p:cNvPr id="3" name="Content Placeholder 2"/>
-          <p:cNvSpPr>
-            <a:spLocks noGrp="1"/>
-          </p:cNvSpPr>
-          <p:nvPr>
-            <p:ph idx="1"/>
-          </p:nvPr>
-        </p:nvSpPr>
-        <p:spPr/>
-        <p:txBody>
-          <a:bodyPr>
-            <a:normAutofit fontScale="85000" lnSpcReduction="20000"/>
-          </a:bodyPr>
-          <a:lstStyle/>
-          <a:p>
             <a:pPr lvl="1"/>
             <a:r>
-              <a:rPr dirty="0"/>
-              <a:t>Code with a # before it does not get run</a:t>
-            </a:r>
-            <a:r>
-              <a:rPr lang="en-GB" dirty="0"/>
-              <a:t> when pushed to the console</a:t>
-            </a:r>
-            <a:endParaRPr dirty="0"/>
-          </a:p>
-          <a:p>
-            <a:pPr lvl="1"/>
-            <a:r>
-              <a:rPr dirty="0"/>
-              <a:t>This is useful for </a:t>
-            </a:r>
-            <a:r>
-              <a:rPr lang="en-GB" dirty="0"/>
-              <a:t>making your scripts much easier to read!</a:t>
-            </a:r>
-            <a:endParaRPr dirty="0"/>
-          </a:p>
-          <a:p>
-            <a:pPr lvl="1"/>
-            <a:r>
-              <a:rPr dirty="0"/>
-              <a:t>Comment on WHY and WHAT (to start with)</a:t>
+              <a:rPr/>
+              <a:t>The usual R Studio screen has four windows:</a:t>
             </a:r>
           </a:p>
           <a:p>
             <a:pPr lvl="2"/>
             <a:r>
-              <a:rPr dirty="0"/>
-              <a:t>Start with many comments!!! Also, use comments to split up the script to make it clearer e.g.</a:t>
-            </a:r>
-          </a:p>
-          <a:p>
-            <a:pPr marL="1270000" lvl="0" indent="0">
-              <a:buNone/>
-            </a:pPr>
-            <a:r>
-              <a:rPr sz="1800" i="1" dirty="0">
-                <a:solidFill>
-                  <a:srgbClr val="60A0B0"/>
-                </a:solidFill>
-                <a:latin typeface="Courier"/>
-              </a:rPr>
-              <a:t># ------------------------------------------</a:t>
-            </a:r>
-            <a:br>
-              <a:rPr dirty="0"/>
-            </a:br>
-            <a:r>
-              <a:rPr sz="1800" i="1" dirty="0">
-                <a:solidFill>
-                  <a:srgbClr val="60A0B0"/>
-                </a:solidFill>
-                <a:latin typeface="Courier"/>
-              </a:rPr>
-              <a:t># Part A of script</a:t>
-            </a:r>
-            <a:br>
-              <a:rPr dirty="0"/>
-            </a:br>
-            <a:r>
-              <a:rPr sz="1800" i="1" dirty="0">
-                <a:solidFill>
-                  <a:srgbClr val="60A0B0"/>
-                </a:solidFill>
-                <a:latin typeface="Courier"/>
-              </a:rPr>
-              <a:t># ------------------------------------------</a:t>
-            </a:r>
-            <a:br>
-              <a:rPr dirty="0"/>
-            </a:br>
-            <a:br>
-              <a:rPr dirty="0"/>
-            </a:br>
-            <a:r>
-              <a:rPr sz="1800" i="1" dirty="0">
-                <a:solidFill>
-                  <a:srgbClr val="60A0B0"/>
-                </a:solidFill>
-                <a:latin typeface="Courier"/>
-              </a:rPr>
-              <a:t># comment</a:t>
-            </a:r>
-            <a:br>
-              <a:rPr dirty="0"/>
-            </a:br>
-            <a:r>
-              <a:rPr sz="1800" dirty="0" err="1">
-                <a:latin typeface="Courier"/>
-              </a:rPr>
-              <a:t>some_code</a:t>
-            </a:r>
-            <a:br>
-              <a:rPr dirty="0"/>
-            </a:br>
-            <a:br>
-              <a:rPr dirty="0"/>
-            </a:br>
-            <a:r>
-              <a:rPr sz="1800" i="1" dirty="0">
-                <a:solidFill>
-                  <a:srgbClr val="60A0B0"/>
-                </a:solidFill>
-                <a:latin typeface="Courier"/>
-              </a:rPr>
-              <a:t># comment</a:t>
-            </a:r>
-            <a:br>
-              <a:rPr dirty="0"/>
-            </a:br>
-            <a:r>
-              <a:rPr sz="1800" dirty="0" err="1">
-                <a:latin typeface="Courier"/>
-              </a:rPr>
-              <a:t>more_code</a:t>
-            </a:r>
-            <a:br>
-              <a:rPr dirty="0"/>
-            </a:br>
-            <a:br>
-              <a:rPr dirty="0"/>
-            </a:br>
-            <a:r>
-              <a:rPr sz="1800" i="1" dirty="0">
-                <a:solidFill>
-                  <a:srgbClr val="60A0B0"/>
-                </a:solidFill>
-                <a:latin typeface="Courier"/>
-              </a:rPr>
-              <a:t># ------------------------------------------</a:t>
-            </a:r>
-            <a:br>
-              <a:rPr dirty="0"/>
-            </a:br>
-            <a:r>
-              <a:rPr sz="1800" i="1" dirty="0">
-                <a:solidFill>
-                  <a:srgbClr val="60A0B0"/>
-                </a:solidFill>
-                <a:latin typeface="Courier"/>
-              </a:rPr>
-              <a:t># Part B of script</a:t>
-            </a:r>
-            <a:br>
-              <a:rPr dirty="0"/>
-            </a:br>
-            <a:r>
-              <a:rPr sz="1800" i="1" dirty="0">
-                <a:solidFill>
-                  <a:srgbClr val="60A0B0"/>
-                </a:solidFill>
-                <a:latin typeface="Courier"/>
-              </a:rPr>
-              <a:t># ------------------------------------------</a:t>
+              <a:rPr/>
+              <a:t>CONSOLE</a:t>
+            </a:r>
+          </a:p>
+          <a:p>
+            <a:pPr lvl="2"/>
+            <a:r>
+              <a:rPr/>
+              <a:t>WORKPLCE AND HISTORY</a:t>
+            </a:r>
+          </a:p>
+          <a:p>
+            <a:pPr lvl="2"/>
+            <a:r>
+              <a:rPr/>
+              <a:t>FILES, PLOTS, PACKAGES AND HELP</a:t>
+            </a:r>
+          </a:p>
+          <a:p>
+            <a:pPr lvl="2"/>
+            <a:r>
+              <a:rPr b="1"/>
+              <a:t>R SCRIPT AND DATA VIEW</a:t>
+            </a:r>
+            <a:r>
+              <a:rPr/>
+              <a:t> (this is where you keep a record of your work. For Stata users, this would be like your do-file, for SPSS users it is like the syntax and for SAS users, the SAS program.</a:t>
             </a:r>
           </a:p>
         </p:txBody>
       </p:sp>
     </p:spTree>
   </p:cSld>
-  <p:clrMapOvr>
-    <a:masterClrMapping/>
-  </p:clrMapOvr>
 </p:sld>
 </file>
 
@@ -3787,75 +5294,38 @@
           <a:chExt cx="0" cy="0"/>
         </a:xfrm>
       </p:grpSpPr>
-      <p:sp>
-        <p:nvSpPr>
-          <p:cNvPr id="2" name="Title 1"/>
-          <p:cNvSpPr>
-            <a:spLocks noGrp="1"/>
-          </p:cNvSpPr>
-          <p:nvPr>
-            <p:ph type="title"/>
-          </p:nvPr>
-        </p:nvSpPr>
-        <p:spPr/>
-        <p:txBody>
-          <a:bodyPr/>
-          <a:lstStyle/>
-          <a:p>
-            <a:pPr marL="0" lvl="0" indent="0">
-              <a:buNone/>
-            </a:pPr>
-            <a:r>
-              <a:t>3 steps before starting</a:t>
-            </a:r>
-          </a:p>
-        </p:txBody>
-      </p:sp>
-      <p:sp>
-        <p:nvSpPr>
-          <p:cNvPr id="3" name="Content Placeholder 2"/>
-          <p:cNvSpPr>
-            <a:spLocks noGrp="1"/>
-          </p:cNvSpPr>
-          <p:nvPr>
-            <p:ph idx="1"/>
-          </p:nvPr>
-        </p:nvSpPr>
-        <p:spPr/>
-        <p:txBody>
-          <a:bodyPr/>
-          <a:lstStyle/>
-          <a:p>
-            <a:pPr lvl="1">
-              <a:buAutoNum type="arabicPeriod"/>
-            </a:pPr>
-            <a:r>
-              <a:t>Why am I writing this script?</a:t>
-            </a:r>
-          </a:p>
-          <a:p>
-            <a:pPr lvl="1">
-              <a:buAutoNum type="arabicPeriod"/>
-            </a:pPr>
-            <a:r>
-              <a:t>What do I need to write this script?</a:t>
-            </a:r>
-          </a:p>
-          <a:p>
-            <a:pPr lvl="1">
-              <a:buAutoNum type="arabicPeriod"/>
-            </a:pPr>
-            <a:r>
-              <a:t>How am I going to write this script?</a:t>
-            </a:r>
-          </a:p>
-        </p:txBody>
-      </p:sp>
+      <p:pic>
+        <p:nvPicPr>
+          <p:cNvPr descr="../slides/figures/rstudio-full-screen.pdf" id="0" name="Picture 1"/>
+          <p:cNvPicPr>
+            <a:picLocks noGrp="1" noChangeAspect="1"/>
+          </p:cNvPicPr>
+          <p:nvPr/>
+        </p:nvPicPr>
+        <p:blipFill>
+          <a:blip r:embed="rId2"/>
+          <a:stretch>
+            <a:fillRect/>
+          </a:stretch>
+        </p:blipFill>
+        <p:spPr bwMode="auto">
+          <a:xfrm>
+            <a:off x="2197100" y="1816100"/>
+            <a:ext cx="7785100" cy="4267200"/>
+          </a:xfrm>
+          <a:prstGeom prst="rect">
+            <a:avLst/>
+          </a:prstGeom>
+          <a:noFill/>
+          <a:ln w="9525">
+            <a:noFill/>
+            <a:headEnd/>
+            <a:tailEnd/>
+          </a:ln>
+        </p:spPr>
+      </p:pic>
     </p:spTree>
   </p:cSld>
-  <p:clrMapOvr>
-    <a:masterClrMapping/>
-  </p:clrMapOvr>
 </p:sld>
 </file>
 
@@ -3878,7 +5348,13 @@
       </p:grpSpPr>
       <p:sp>
         <p:nvSpPr>
-          <p:cNvPr id="2" name="Title 1"/>
+          <p:cNvPr id="2" name="Title 1">
+            <a:extLst>
+              <a:ext uri="{FF2B5EF4-FFF2-40B4-BE49-F238E27FC236}">
+                <a16:creationId xmlns:a16="http://schemas.microsoft.com/office/drawing/2014/main" id="{3BEB2333-4531-4F49-98C7-71CE6B119B78}"/>
+              </a:ext>
+            </a:extLst>
+          </p:cNvPr>
           <p:cNvSpPr>
             <a:spLocks noGrp="1"/>
           </p:cNvSpPr>
@@ -3886,104 +5362,90 @@
             <p:ph type="title"/>
           </p:nvPr>
         </p:nvSpPr>
-        <p:spPr/>
-        <p:txBody>
-          <a:bodyPr/>
-          <a:lstStyle/>
-          <a:p>
-            <a:pPr marL="0" lvl="0" indent="0">
+        <p:spPr>
+          <a:xfrm>
+            <a:off x="494400" y="365125"/>
+            <a:ext cx="11203200" cy="1325563"/>
+          </a:xfrm>
+        </p:spPr>
+        <p:txBody>
+          <a:bodyPr/>
+          <a:lstStyle/>
+          <a:p>
+            <a:pPr lvl="0" marL="0" indent="0">
               <a:buNone/>
             </a:pPr>
             <a:r>
-              <a:t>Step 1: Why am I writing this script?</a:t>
-            </a:r>
-          </a:p>
-        </p:txBody>
-      </p:sp>
-      <p:sp>
-        <p:nvSpPr>
-          <p:cNvPr id="3" name="Content Placeholder 2"/>
-          <p:cNvSpPr>
-            <a:spLocks noGrp="1"/>
-          </p:cNvSpPr>
-          <p:nvPr>
-            <p:ph idx="1"/>
-          </p:nvPr>
-        </p:nvSpPr>
-        <p:spPr/>
-        <p:txBody>
-          <a:bodyPr/>
-          <a:lstStyle/>
-          <a:p>
-            <a:pPr lvl="1"/>
-            <a:r>
-              <a:t>Think about it and write it down!!!</a:t>
-            </a:r>
-          </a:p>
-          <a:p>
-            <a:pPr lvl="1"/>
-            <a:r>
-              <a:t>e.g. clean a dataset, assess association between x and y</a:t>
-            </a:r>
-          </a:p>
-          <a:p>
-            <a:pPr lvl="1"/>
-            <a:r>
-              <a:t>Give the script a good name, write a descriptive title + add a couple of lines that describe the purpose of the script</a:t>
-            </a:r>
-          </a:p>
-          <a:p>
-            <a:pPr marL="1270000" lvl="0" indent="0">
-              <a:buNone/>
-            </a:pPr>
-            <a:r>
-              <a:rPr sz="1800" i="1">
-                <a:solidFill>
-                  <a:srgbClr val="60A0B0"/>
-                </a:solidFill>
-                <a:latin typeface="Courier"/>
-              </a:rPr>
-              <a:t># ------------------------------------------</a:t>
-            </a:r>
-            <a:br/>
-            <a:r>
-              <a:rPr sz="1800" i="1">
-                <a:solidFill>
-                  <a:srgbClr val="60A0B0"/>
-                </a:solidFill>
-                <a:latin typeface="Courier"/>
-              </a:rPr>
-              <a:t># Generating pack years in ALSPAC</a:t>
-            </a:r>
-            <a:br/>
-            <a:r>
-              <a:rPr sz="1800" i="1">
-                <a:solidFill>
-                  <a:srgbClr val="60A0B0"/>
-                </a:solidFill>
-                <a:latin typeface="Courier"/>
-              </a:rPr>
-              <a:t># ------------------------------------------</a:t>
-            </a:r>
-            <a:br/>
-            <a:br/>
-            <a:r>
-              <a:rPr sz="1800" i="1">
-                <a:solidFill>
-                  <a:srgbClr val="60A0B0"/>
-                </a:solidFill>
-                <a:latin typeface="Courier"/>
-              </a:rPr>
-              <a:t># This script extracts smoking variables from the mothers within ALSPAC and uses this to generate pack years. Authors: Thomas Battram, Gwen Fernandes. Date: 2020/02/15</a:t>
-            </a:r>
-          </a:p>
-        </p:txBody>
-      </p:sp>
+              <a:rPr/>
+              <a:t>Making</a:t>
+            </a:r>
+            <a:r>
+              <a:rPr/>
+              <a:t> </a:t>
+            </a:r>
+            <a:r>
+              <a:rPr/>
+              <a:t>a</a:t>
+            </a:r>
+            <a:r>
+              <a:rPr/>
+              <a:t> </a:t>
+            </a:r>
+            <a:r>
+              <a:rPr/>
+              <a:t>new</a:t>
+            </a:r>
+            <a:r>
+              <a:rPr/>
+              <a:t> </a:t>
+            </a:r>
+            <a:r>
+              <a:rPr/>
+              <a:t>R</a:t>
+            </a:r>
+            <a:r>
+              <a:rPr/>
+              <a:t> </a:t>
+            </a:r>
+            <a:r>
+              <a:rPr/>
+              <a:t>script</a:t>
+            </a:r>
+          </a:p>
+        </p:txBody>
+      </p:sp>
+      <p:pic>
+        <p:nvPicPr>
+          <p:cNvPr descr="../slides/figures/new-r-script.pdf" id="0" name="Picture 1"/>
+          <p:cNvPicPr>
+            <a:picLocks noGrp="1" noChangeAspect="1"/>
+          </p:cNvPicPr>
+          <p:nvPr/>
+        </p:nvPicPr>
+        <p:blipFill>
+          <a:blip r:embed="rId2"/>
+          <a:stretch>
+            <a:fillRect/>
+          </a:stretch>
+        </p:blipFill>
+        <p:spPr bwMode="auto">
+          <a:xfrm>
+            <a:off x="2057400" y="1816100"/>
+            <a:ext cx="8039100" cy="4267200"/>
+          </a:xfrm>
+          <a:prstGeom prst="rect">
+            <a:avLst/>
+          </a:prstGeom>
+          <a:noFill/>
+          <a:ln w="9525">
+            <a:noFill/>
+            <a:headEnd/>
+            <a:tailEnd/>
+          </a:ln>
+        </p:spPr>
+      </p:pic>
     </p:spTree>
   </p:cSld>
-  <p:clrMapOvr>
-    <a:masterClrMapping/>
-  </p:clrMapOvr>
 </p:sld>
 </file>
 
@@ -4006,7 +5468,13 @@
       </p:grpSpPr>
       <p:sp>
         <p:nvSpPr>
-          <p:cNvPr id="2" name="Title 1"/>
+          <p:cNvPr id="2" name="Title 1">
+            <a:extLst>
+              <a:ext uri="{FF2B5EF4-FFF2-40B4-BE49-F238E27FC236}">
+                <a16:creationId xmlns:a16="http://schemas.microsoft.com/office/drawing/2014/main" id="{3BEB2333-4531-4F49-98C7-71CE6B119B78}"/>
+              </a:ext>
+            </a:extLst>
+          </p:cNvPr>
           <p:cNvSpPr>
             <a:spLocks noGrp="1"/>
           </p:cNvSpPr>
@@ -4014,73 +5482,90 @@
             <p:ph type="title"/>
           </p:nvPr>
         </p:nvSpPr>
-        <p:spPr/>
-        <p:txBody>
-          <a:bodyPr/>
-          <a:lstStyle/>
-          <a:p>
-            <a:pPr marL="0" lvl="0" indent="0">
+        <p:spPr>
+          <a:xfrm>
+            <a:off x="494400" y="365125"/>
+            <a:ext cx="11203200" cy="1325563"/>
+          </a:xfrm>
+        </p:spPr>
+        <p:txBody>
+          <a:bodyPr/>
+          <a:lstStyle/>
+          <a:p>
+            <a:pPr lvl="0" marL="0" indent="0">
               <a:buNone/>
             </a:pPr>
             <a:r>
-              <a:t>Step 2: What do I need to write this script?</a:t>
-            </a:r>
-          </a:p>
-        </p:txBody>
-      </p:sp>
-      <p:sp>
-        <p:nvSpPr>
-          <p:cNvPr id="3" name="Content Placeholder 2"/>
-          <p:cNvSpPr>
-            <a:spLocks noGrp="1"/>
-          </p:cNvSpPr>
-          <p:nvPr>
-            <p:ph idx="1"/>
-          </p:nvPr>
-        </p:nvSpPr>
-        <p:spPr/>
-        <p:txBody>
-          <a:bodyPr/>
-          <a:lstStyle/>
-          <a:p>
-            <a:pPr lvl="1"/>
-            <a:r>
-              <a:t>Datasets!</a:t>
-            </a:r>
-          </a:p>
-          <a:p>
-            <a:pPr lvl="1"/>
-            <a:r>
-              <a:t>Using only base R can make things difficult… Packages!</a:t>
-            </a:r>
-          </a:p>
-          <a:p>
-            <a:pPr lvl="1"/>
-            <a:r>
-              <a:t>Packages are made by others and are there to make your life easier</a:t>
-            </a:r>
-          </a:p>
-          <a:p>
-            <a:pPr marL="0" lvl="0" indent="0">
-              <a:buNone/>
-            </a:pPr>
-            <a:endParaRPr/>
-          </a:p>
-          <a:p>
-            <a:pPr marL="0" lvl="0" indent="0">
-              <a:buNone/>
-            </a:pPr>
-            <a:r>
-              <a:t>For example, reading data into R can be tricky depending on how the data is stored, but packages can make this easier!</a:t>
-            </a:r>
-          </a:p>
-        </p:txBody>
-      </p:sp>
+              <a:rPr/>
+              <a:t>Making</a:t>
+            </a:r>
+            <a:r>
+              <a:rPr/>
+              <a:t> </a:t>
+            </a:r>
+            <a:r>
+              <a:rPr/>
+              <a:t>a</a:t>
+            </a:r>
+            <a:r>
+              <a:rPr/>
+              <a:t> </a:t>
+            </a:r>
+            <a:r>
+              <a:rPr/>
+              <a:t>new</a:t>
+            </a:r>
+            <a:r>
+              <a:rPr/>
+              <a:t> </a:t>
+            </a:r>
+            <a:r>
+              <a:rPr/>
+              <a:t>R</a:t>
+            </a:r>
+            <a:r>
+              <a:rPr/>
+              <a:t> </a:t>
+            </a:r>
+            <a:r>
+              <a:rPr/>
+              <a:t>script</a:t>
+            </a:r>
+          </a:p>
+        </p:txBody>
+      </p:sp>
+      <p:pic>
+        <p:nvPicPr>
+          <p:cNvPr descr="../slides/figures/script-to-console.pdf" id="0" name="Picture 1"/>
+          <p:cNvPicPr>
+            <a:picLocks noGrp="1" noChangeAspect="1"/>
+          </p:cNvPicPr>
+          <p:nvPr/>
+        </p:nvPicPr>
+        <p:blipFill>
+          <a:blip r:embed="rId2"/>
+          <a:stretch>
+            <a:fillRect/>
+          </a:stretch>
+        </p:blipFill>
+        <p:spPr bwMode="auto">
+          <a:xfrm>
+            <a:off x="2362200" y="1816100"/>
+            <a:ext cx="7429500" cy="4267200"/>
+          </a:xfrm>
+          <a:prstGeom prst="rect">
+            <a:avLst/>
+          </a:prstGeom>
+          <a:noFill/>
+          <a:ln w="9525">
+            <a:noFill/>
+            <a:headEnd/>
+            <a:tailEnd/>
+          </a:ln>
+        </p:spPr>
+      </p:pic>
     </p:spTree>
   </p:cSld>
-  <p:clrMapOvr>
-    <a:masterClrMapping/>
-  </p:clrMapOvr>
 </p:sld>
 </file>
 
@@ -4103,7 +5588,13 @@
       </p:grpSpPr>
       <p:sp>
         <p:nvSpPr>
-          <p:cNvPr id="2" name="Title 1"/>
+          <p:cNvPr id="2" name="Title 1">
+            <a:extLst>
+              <a:ext uri="{FF2B5EF4-FFF2-40B4-BE49-F238E27FC236}">
+                <a16:creationId xmlns:a16="http://schemas.microsoft.com/office/drawing/2014/main" id="{8E349E27-7CDD-4911-B193-EF1903B149DF}"/>
+              </a:ext>
+            </a:extLst>
+          </p:cNvPr>
           <p:cNvSpPr>
             <a:spLocks noGrp="1"/>
           </p:cNvSpPr>
@@ -4116,225 +5607,98 @@
           <a:bodyPr/>
           <a:lstStyle/>
           <a:p>
-            <a:pPr marL="0" lvl="0" indent="0">
+            <a:pPr lvl="0" marL="0" indent="0">
               <a:buNone/>
             </a:pPr>
             <a:r>
-              <a:t>Reading data into R</a:t>
-            </a:r>
-          </a:p>
-        </p:txBody>
-      </p:sp>
-      <p:sp>
-        <p:nvSpPr>
-          <p:cNvPr id="3" name="Content Placeholder 2"/>
-          <p:cNvSpPr>
-            <a:spLocks noGrp="1"/>
-          </p:cNvSpPr>
-          <p:nvPr>
-            <p:ph idx="1"/>
+              <a:rPr/>
+              <a:t>Commenting</a:t>
+            </a:r>
+          </a:p>
+        </p:txBody>
+      </p:sp>
+      <p:sp>
+        <p:nvSpPr>
+          <p:cNvPr id="3" name="Content Placeholder 2">
+            <a:extLst>
+              <a:ext uri="{FF2B5EF4-FFF2-40B4-BE49-F238E27FC236}">
+                <a16:creationId xmlns:a16="http://schemas.microsoft.com/office/drawing/2014/main" id="{0BEA19B5-91E3-4F4C-A589-6C6C950D6A58}"/>
+              </a:ext>
+            </a:extLst>
+          </p:cNvPr>
+          <p:cNvSpPr>
+            <a:spLocks noGrp="1"/>
+          </p:cNvSpPr>
+          <p:nvPr>
+            <p:ph sz="half" idx="1"/>
           </p:nvPr>
         </p:nvSpPr>
         <p:spPr/>
         <p:txBody>
-          <a:bodyPr>
-            <a:normAutofit fontScale="92500" lnSpcReduction="10000"/>
-          </a:bodyPr>
-          <a:lstStyle/>
-          <a:p>
-            <a:pPr marL="0" lvl="0" indent="0">
-              <a:buNone/>
-            </a:pPr>
-            <a:r>
-              <a:rPr dirty="0"/>
-              <a:t>Depending on what form the data is in, you have to use different functions to read in the data. Data you get may be in:</a:t>
-            </a:r>
-          </a:p>
+          <a:bodyPr/>
+          <a:lstStyle/>
           <a:p>
             <a:pPr lvl="1"/>
             <a:r>
-              <a:rPr dirty="0"/>
-              <a:t>excel spreadsheets</a:t>
+              <a:rPr/>
+              <a:t>Code with a # before it does not get run</a:t>
             </a:r>
           </a:p>
           <a:p>
             <a:pPr lvl="1"/>
             <a:r>
-              <a:rPr dirty="0"/>
-              <a:t>comma </a:t>
-            </a:r>
-            <a:r>
-              <a:rPr dirty="0" err="1"/>
-              <a:t>seperated</a:t>
-            </a:r>
-            <a:r>
-              <a:rPr dirty="0"/>
-              <a:t> value (csv) files</a:t>
+              <a:rPr/>
+              <a:t>This is useful for making your scripts much easier to read!</a:t>
             </a:r>
           </a:p>
           <a:p>
             <a:pPr lvl="1"/>
             <a:r>
-              <a:rPr dirty="0"/>
-              <a:t>text separated value (</a:t>
-            </a:r>
-            <a:r>
-              <a:rPr dirty="0" err="1"/>
-              <a:t>tsv</a:t>
-            </a:r>
-            <a:r>
-              <a:rPr dirty="0"/>
-              <a:t>) files</a:t>
-            </a:r>
-          </a:p>
-          <a:p>
-            <a:pPr lvl="1"/>
-            <a:r>
-              <a:rPr dirty="0" err="1"/>
-              <a:t>spss</a:t>
-            </a:r>
-            <a:r>
-              <a:rPr dirty="0"/>
-              <a:t> files</a:t>
-            </a:r>
-          </a:p>
-          <a:p>
-            <a:pPr lvl="1"/>
-            <a:r>
-              <a:rPr dirty="0" err="1"/>
-              <a:t>stata</a:t>
-            </a:r>
-            <a:r>
-              <a:rPr dirty="0"/>
-              <a:t> files</a:t>
-            </a:r>
-          </a:p>
-          <a:p>
-            <a:pPr lvl="1"/>
-            <a:r>
-              <a:rPr dirty="0"/>
-              <a:t>images (e.g. .</a:t>
-            </a:r>
-            <a:r>
-              <a:rPr dirty="0" err="1"/>
-              <a:t>png</a:t>
-            </a:r>
-            <a:r>
-              <a:rPr dirty="0"/>
-              <a:t> files)</a:t>
-            </a:r>
-          </a:p>
-          <a:p>
-            <a:pPr marL="0" lvl="0" indent="0">
-              <a:buNone/>
-            </a:pPr>
-            <a:r>
-              <a:rPr dirty="0"/>
-              <a:t>These need different functions to read them in, some of which are only available with certain packages.</a:t>
-            </a:r>
-          </a:p>
-          <a:p>
-            <a:pPr marL="1270000" lvl="0" indent="0">
-              <a:buNone/>
-            </a:pPr>
-            <a:r>
-              <a:rPr sz="1800" b="1" dirty="0">
-                <a:solidFill>
-                  <a:srgbClr val="007020"/>
-                </a:solidFill>
-                <a:latin typeface="Courier"/>
-              </a:rPr>
-              <a:t>library</a:t>
-            </a:r>
-            <a:r>
-              <a:rPr sz="1800" dirty="0">
-                <a:latin typeface="Courier"/>
-              </a:rPr>
-              <a:t>(haven)</a:t>
-            </a:r>
-            <a:br>
-              <a:rPr dirty="0"/>
-            </a:br>
-            <a:r>
-              <a:rPr sz="1800" dirty="0">
-                <a:latin typeface="Courier"/>
-              </a:rPr>
-              <a:t>df &lt;-</a:t>
-            </a:r>
-            <a:r>
-              <a:rPr sz="1800" dirty="0">
-                <a:solidFill>
-                  <a:srgbClr val="4070A0"/>
-                </a:solidFill>
-                <a:latin typeface="Courier"/>
-              </a:rPr>
-              <a:t> </a:t>
-            </a:r>
-            <a:r>
-              <a:rPr sz="1800" b="1" dirty="0" err="1">
-                <a:solidFill>
-                  <a:srgbClr val="007020"/>
-                </a:solidFill>
-                <a:latin typeface="Courier"/>
-              </a:rPr>
-              <a:t>read_dta</a:t>
-            </a:r>
-            <a:r>
-              <a:rPr sz="1800" dirty="0">
-                <a:latin typeface="Courier"/>
-              </a:rPr>
-              <a:t>(</a:t>
-            </a:r>
-            <a:r>
-              <a:rPr sz="1800" dirty="0">
-                <a:solidFill>
-                  <a:srgbClr val="4070A0"/>
-                </a:solidFill>
-                <a:latin typeface="Courier"/>
-              </a:rPr>
-              <a:t>"</a:t>
-            </a:r>
-            <a:r>
-              <a:rPr sz="1800" dirty="0" err="1">
-                <a:solidFill>
-                  <a:srgbClr val="4070A0"/>
-                </a:solidFill>
-                <a:latin typeface="Courier"/>
-              </a:rPr>
-              <a:t>my_data.dta</a:t>
-            </a:r>
-            <a:r>
-              <a:rPr sz="1800" dirty="0">
-                <a:solidFill>
-                  <a:srgbClr val="4070A0"/>
-                </a:solidFill>
-                <a:latin typeface="Courier"/>
-              </a:rPr>
-              <a:t>"</a:t>
-            </a:r>
-            <a:r>
-              <a:rPr sz="1800" dirty="0">
-                <a:latin typeface="Courier"/>
-              </a:rPr>
-              <a:t>)</a:t>
-            </a:r>
-            <a:r>
-              <a:rPr lang="en-GB" sz="1800" dirty="0">
-                <a:latin typeface="Courier"/>
-              </a:rPr>
-              <a:t> </a:t>
-            </a:r>
-            <a:endParaRPr sz="1800" dirty="0">
-              <a:latin typeface="Courier"/>
-            </a:endParaRPr>
-          </a:p>
-        </p:txBody>
-      </p:sp>
+              <a:rPr/>
+              <a:t>Comment on WHY and WHAT (to start with)</a:t>
+            </a:r>
+          </a:p>
+          <a:p>
+            <a:pPr lvl="2"/>
+            <a:r>
+              <a:rPr/>
+              <a:t>Start with many comments!!! Also, use comments to split up the script to make it clearer</a:t>
+            </a:r>
+          </a:p>
+        </p:txBody>
+      </p:sp>
+      <p:pic>
+        <p:nvPicPr>
+          <p:cNvPr descr="../slides/figures/commenting-example.png" id="0" name="Picture 1"/>
+          <p:cNvPicPr>
+            <a:picLocks noGrp="1" noChangeAspect="1"/>
+          </p:cNvPicPr>
+          <p:nvPr/>
+        </p:nvPicPr>
+        <p:blipFill>
+          <a:blip r:embed="rId2"/>
+          <a:stretch>
+            <a:fillRect/>
+          </a:stretch>
+        </p:blipFill>
+        <p:spPr bwMode="auto">
+          <a:xfrm>
+            <a:off x="6172200" y="2362200"/>
+            <a:ext cx="5524500" cy="3175000"/>
+          </a:xfrm>
+          <a:prstGeom prst="rect">
+            <a:avLst/>
+          </a:prstGeom>
+          <a:noFill/>
+          <a:ln w="9525">
+            <a:noFill/>
+            <a:headEnd/>
+            <a:tailEnd/>
+          </a:ln>
+        </p:spPr>
+      </p:pic>
     </p:spTree>
   </p:cSld>
-  <p:clrMapOvr>
-    <a:masterClrMapping/>
-  </p:clrMapOvr>
 </p:sld>
 </file>
 
@@ -4357,7 +5721,13 @@
       </p:grpSpPr>
       <p:sp>
         <p:nvSpPr>
-          <p:cNvPr id="2" name="Title 1"/>
+          <p:cNvPr id="2" name="Title 1">
+            <a:extLst>
+              <a:ext uri="{FF2B5EF4-FFF2-40B4-BE49-F238E27FC236}">
+                <a16:creationId xmlns:a16="http://schemas.microsoft.com/office/drawing/2014/main" id="{3BEB2333-4531-4F49-98C7-71CE6B119B78}"/>
+              </a:ext>
+            </a:extLst>
+          </p:cNvPr>
           <p:cNvSpPr>
             <a:spLocks noGrp="1"/>
           </p:cNvSpPr>
@@ -4365,158 +5735,111 @@
             <p:ph type="title"/>
           </p:nvPr>
         </p:nvSpPr>
+        <p:spPr>
+          <a:xfrm>
+            <a:off x="494400" y="365125"/>
+            <a:ext cx="11203200" cy="1325563"/>
+          </a:xfrm>
+        </p:spPr>
+        <p:txBody>
+          <a:bodyPr/>
+          <a:lstStyle/>
+          <a:p>
+            <a:pPr lvl="0" marL="0" indent="0">
+              <a:buNone/>
+            </a:pPr>
+            <a:r>
+              <a:rPr/>
+              <a:t>3</a:t>
+            </a:r>
+            <a:r>
+              <a:rPr/>
+              <a:t> </a:t>
+            </a:r>
+            <a:r>
+              <a:rPr/>
+              <a:t>steps</a:t>
+            </a:r>
+            <a:r>
+              <a:rPr/>
+              <a:t> </a:t>
+            </a:r>
+            <a:r>
+              <a:rPr/>
+              <a:t>before</a:t>
+            </a:r>
+            <a:r>
+              <a:rPr/>
+              <a:t> </a:t>
+            </a:r>
+            <a:r>
+              <a:rPr/>
+              <a:t>starting</a:t>
+            </a:r>
+          </a:p>
+        </p:txBody>
+      </p:sp>
+      <p:sp>
+        <p:nvSpPr>
+          <p:cNvPr id="3" name="Content Placeholder 2">
+            <a:extLst>
+              <a:ext uri="{FF2B5EF4-FFF2-40B4-BE49-F238E27FC236}">
+                <a16:creationId xmlns:a16="http://schemas.microsoft.com/office/drawing/2014/main" id="{DB0BEE29-071E-4ED4-B0D5-046429DF4F91}"/>
+              </a:ext>
+            </a:extLst>
+          </p:cNvPr>
+          <p:cNvSpPr>
+            <a:spLocks noGrp="1"/>
+          </p:cNvSpPr>
+          <p:nvPr>
+            <p:ph idx="1"/>
+          </p:nvPr>
+        </p:nvSpPr>
         <p:spPr/>
         <p:txBody>
           <a:bodyPr/>
           <a:lstStyle/>
           <a:p>
-            <a:pPr marL="0" lvl="0" indent="0">
-              <a:buNone/>
+            <a:pPr lvl="1">
+              <a:buAutoNum type="arabicPeriod"/>
             </a:pPr>
             <a:r>
-              <a:t>Step 3: How am I going to write this script?</a:t>
-            </a:r>
-          </a:p>
-        </p:txBody>
-      </p:sp>
-      <p:sp>
-        <p:nvSpPr>
-          <p:cNvPr id="3" name="Content Placeholder 2"/>
-          <p:cNvSpPr>
-            <a:spLocks noGrp="1"/>
-          </p:cNvSpPr>
-          <p:nvPr>
-            <p:ph idx="1"/>
-          </p:nvPr>
-        </p:nvSpPr>
-        <p:spPr/>
-        <p:txBody>
-          <a:bodyPr/>
-          <a:lstStyle/>
-          <a:p>
-            <a:pPr lvl="1"/>
-            <a:r>
-              <a:rPr dirty="0"/>
-              <a:t>As you have thought about why you’re writing the script and what you need this should be easy! </a:t>
-            </a:r>
-          </a:p>
-          <a:p>
-            <a:pPr lvl="1"/>
-            <a:r>
-              <a:rPr dirty="0"/>
-              <a:t>Write out each step</a:t>
-            </a:r>
-          </a:p>
-          <a:p>
-            <a:pPr marL="1270000" lvl="0" indent="0">
+              <a:rPr/>
+              <a:t>Why am I writing this script?</a:t>
+            </a:r>
+          </a:p>
+          <a:p>
+            <a:pPr lvl="0" marL="0" indent="0">
               <a:buNone/>
             </a:pPr>
-            <a:endParaRPr lang="en-GB" sz="1600" i="1" dirty="0">
-              <a:solidFill>
-                <a:srgbClr val="60A0B0"/>
-              </a:solidFill>
-              <a:latin typeface="Courier"/>
-            </a:endParaRPr>
-          </a:p>
-          <a:p>
-            <a:pPr marL="1270000" lvl="0" indent="0">
-              <a:buNone/>
+          </a:p>
+          <a:p>
+            <a:pPr lvl="1">
+              <a:buAutoNum startAt="2" type="arabicPeriod"/>
             </a:pPr>
             <a:r>
-              <a:rPr sz="1600" i="1" dirty="0">
-                <a:solidFill>
-                  <a:srgbClr val="60A0B0"/>
-                </a:solidFill>
-                <a:latin typeface="Courier"/>
-              </a:rPr>
-              <a:t># structure of the script:</a:t>
-            </a:r>
-            <a:br>
-              <a:rPr sz="2400" dirty="0"/>
-            </a:br>
-            <a:r>
-              <a:rPr sz="1600" i="1" dirty="0">
-                <a:solidFill>
-                  <a:srgbClr val="60A0B0"/>
-                </a:solidFill>
-                <a:latin typeface="Courier"/>
-              </a:rPr>
-              <a:t># 1. Extract the smoking variables</a:t>
-            </a:r>
-            <a:br>
-              <a:rPr sz="2400" dirty="0"/>
-            </a:br>
-            <a:r>
-              <a:rPr sz="1600" i="1" dirty="0">
-                <a:solidFill>
-                  <a:srgbClr val="60A0B0"/>
-                </a:solidFill>
-                <a:latin typeface="Courier"/>
-              </a:rPr>
-              <a:t># 2. Exclude </a:t>
-            </a:r>
-            <a:r>
-              <a:rPr sz="1600" i="1" dirty="0" err="1">
-                <a:solidFill>
-                  <a:srgbClr val="60A0B0"/>
-                </a:solidFill>
-                <a:latin typeface="Courier"/>
-              </a:rPr>
-              <a:t>indiviauls</a:t>
-            </a:r>
-            <a:r>
-              <a:rPr sz="1600" i="1" dirty="0">
-                <a:solidFill>
-                  <a:srgbClr val="60A0B0"/>
-                </a:solidFill>
-                <a:latin typeface="Courier"/>
-              </a:rPr>
-              <a:t> with withdrawn consent and too much missing data</a:t>
-            </a:r>
-            <a:br>
-              <a:rPr sz="2400" dirty="0"/>
-            </a:br>
-            <a:r>
-              <a:rPr sz="1600" i="1" dirty="0">
-                <a:solidFill>
-                  <a:srgbClr val="60A0B0"/>
-                </a:solidFill>
-                <a:latin typeface="Courier"/>
-              </a:rPr>
-              <a:t># 3. Generate pack years variable </a:t>
-            </a:r>
-            <a:br>
-              <a:rPr sz="2400" dirty="0"/>
-            </a:br>
-            <a:r>
-              <a:rPr sz="1600" i="1" dirty="0">
-                <a:solidFill>
-                  <a:srgbClr val="60A0B0"/>
-                </a:solidFill>
-                <a:latin typeface="Courier"/>
-              </a:rPr>
-              <a:t># 4. Check for outliers</a:t>
-            </a:r>
-            <a:br>
-              <a:rPr sz="2400" dirty="0"/>
-            </a:br>
-            <a:r>
-              <a:rPr sz="1600" i="1" dirty="0">
-                <a:solidFill>
-                  <a:srgbClr val="60A0B0"/>
-                </a:solidFill>
-                <a:latin typeface="Courier"/>
-              </a:rPr>
-              <a:t># 5. Write out a table with identifiers and pack years variables</a:t>
+              <a:rPr/>
+              <a:t>What do I need to write this script?</a:t>
+            </a:r>
+          </a:p>
+          <a:p>
+            <a:pPr lvl="0" marL="0" indent="0">
+              <a:buNone/>
+            </a:pPr>
+          </a:p>
+          <a:p>
+            <a:pPr lvl="1">
+              <a:buAutoNum startAt="3" type="arabicPeriod"/>
+            </a:pPr>
+            <a:r>
+              <a:rPr/>
+              <a:t>How am I going to write this script?</a:t>
             </a:r>
           </a:p>
         </p:txBody>
       </p:sp>
     </p:spTree>
   </p:cSld>
-  <p:clrMapOvr>
-    <a:masterClrMapping/>
-  </p:clrMapOvr>
 </p:sld>
 </file>
 
@@ -4539,7 +5862,13 @@
       </p:grpSpPr>
       <p:sp>
         <p:nvSpPr>
-          <p:cNvPr id="2" name="Title 1"/>
+          <p:cNvPr id="2" name="Title 1">
+            <a:extLst>
+              <a:ext uri="{FF2B5EF4-FFF2-40B4-BE49-F238E27FC236}">
+                <a16:creationId xmlns:a16="http://schemas.microsoft.com/office/drawing/2014/main" id="{8E349E27-7CDD-4911-B193-EF1903B149DF}"/>
+              </a:ext>
+            </a:extLst>
+          </p:cNvPr>
           <p:cNvSpPr>
             <a:spLocks noGrp="1"/>
           </p:cNvSpPr>
@@ -4552,280 +5881,147 @@
           <a:bodyPr/>
           <a:lstStyle/>
           <a:p>
-            <a:pPr marL="0" lvl="0" indent="0">
+            <a:pPr lvl="0" marL="0" indent="0">
               <a:buNone/>
             </a:pPr>
             <a:r>
-              <a:t>Top of the script</a:t>
-            </a:r>
-          </a:p>
-        </p:txBody>
-      </p:sp>
-      <p:sp>
-        <p:nvSpPr>
-          <p:cNvPr id="3" name="Content Placeholder 2"/>
-          <p:cNvSpPr>
-            <a:spLocks noGrp="1"/>
-          </p:cNvSpPr>
-          <p:nvPr>
-            <p:ph idx="1"/>
+              <a:rPr/>
+              <a:t>Step</a:t>
+            </a:r>
+            <a:r>
+              <a:rPr/>
+              <a:t> </a:t>
+            </a:r>
+            <a:r>
+              <a:rPr/>
+              <a:t>1:</a:t>
+            </a:r>
+            <a:r>
+              <a:rPr/>
+              <a:t> </a:t>
+            </a:r>
+            <a:r>
+              <a:rPr/>
+              <a:t>Why</a:t>
+            </a:r>
+            <a:r>
+              <a:rPr/>
+              <a:t> </a:t>
+            </a:r>
+            <a:r>
+              <a:rPr/>
+              <a:t>am</a:t>
+            </a:r>
+            <a:r>
+              <a:rPr/>
+              <a:t> </a:t>
+            </a:r>
+            <a:r>
+              <a:rPr/>
+              <a:t>I</a:t>
+            </a:r>
+            <a:r>
+              <a:rPr/>
+              <a:t> </a:t>
+            </a:r>
+            <a:r>
+              <a:rPr/>
+              <a:t>writing</a:t>
+            </a:r>
+            <a:r>
+              <a:rPr/>
+              <a:t> </a:t>
+            </a:r>
+            <a:r>
+              <a:rPr/>
+              <a:t>this</a:t>
+            </a:r>
+            <a:r>
+              <a:rPr/>
+              <a:t> </a:t>
+            </a:r>
+            <a:r>
+              <a:rPr/>
+              <a:t>script?</a:t>
+            </a:r>
+          </a:p>
+        </p:txBody>
+      </p:sp>
+      <p:sp>
+        <p:nvSpPr>
+          <p:cNvPr id="3" name="Content Placeholder 2">
+            <a:extLst>
+              <a:ext uri="{FF2B5EF4-FFF2-40B4-BE49-F238E27FC236}">
+                <a16:creationId xmlns:a16="http://schemas.microsoft.com/office/drawing/2014/main" id="{0BEA19B5-91E3-4F4C-A589-6C6C950D6A58}"/>
+              </a:ext>
+            </a:extLst>
+          </p:cNvPr>
+          <p:cNvSpPr>
+            <a:spLocks noGrp="1"/>
+          </p:cNvSpPr>
+          <p:nvPr>
+            <p:ph sz="half" idx="1"/>
           </p:nvPr>
         </p:nvSpPr>
         <p:spPr/>
         <p:txBody>
-          <a:bodyPr>
-            <a:normAutofit fontScale="92500" lnSpcReduction="20000"/>
-          </a:bodyPr>
-          <a:lstStyle/>
-          <a:p>
-            <a:pPr marL="1270000" lvl="0" indent="0">
-              <a:buNone/>
-            </a:pPr>
-            <a:r>
-              <a:rPr sz="1800" i="1" dirty="0">
-                <a:solidFill>
-                  <a:srgbClr val="60A0B0"/>
-                </a:solidFill>
-                <a:latin typeface="Courier"/>
-              </a:rPr>
-              <a:t># ------------------------------------------</a:t>
-            </a:r>
-            <a:br>
-              <a:rPr dirty="0"/>
-            </a:br>
-            <a:r>
-              <a:rPr sz="1800" i="1" dirty="0">
-                <a:solidFill>
-                  <a:srgbClr val="60A0B0"/>
-                </a:solidFill>
-                <a:latin typeface="Courier"/>
-              </a:rPr>
-              <a:t># Generating pack years in ALSPAC</a:t>
-            </a:r>
-            <a:br>
-              <a:rPr dirty="0"/>
-            </a:br>
-            <a:r>
-              <a:rPr sz="1800" i="1" dirty="0">
-                <a:solidFill>
-                  <a:srgbClr val="60A0B0"/>
-                </a:solidFill>
-                <a:latin typeface="Courier"/>
-              </a:rPr>
-              <a:t># ------------------------------------------</a:t>
-            </a:r>
-            <a:br>
-              <a:rPr dirty="0"/>
-            </a:br>
-            <a:br>
-              <a:rPr dirty="0"/>
-            </a:br>
-            <a:r>
-              <a:rPr sz="1800" i="1" dirty="0">
-                <a:solidFill>
-                  <a:srgbClr val="60A0B0"/>
-                </a:solidFill>
-                <a:latin typeface="Courier"/>
-              </a:rPr>
-              <a:t># This script extracts smoking variables from the mothers within ALSPAC and uses this to generate pack years. Authors: Thomas Battram, Gwen Fernandes. Date: 2020/02/15</a:t>
-            </a:r>
-            <a:br>
-              <a:rPr dirty="0"/>
-            </a:br>
-            <a:br>
-              <a:rPr dirty="0"/>
-            </a:br>
-            <a:r>
-              <a:rPr sz="1800" i="1" dirty="0">
-                <a:solidFill>
-                  <a:srgbClr val="60A0B0"/>
-                </a:solidFill>
-                <a:latin typeface="Courier"/>
-              </a:rPr>
-              <a:t># load packages</a:t>
-            </a:r>
-            <a:br>
-              <a:rPr dirty="0"/>
-            </a:br>
-            <a:r>
-              <a:rPr sz="1800" b="1" dirty="0">
-                <a:solidFill>
-                  <a:srgbClr val="007020"/>
-                </a:solidFill>
-                <a:latin typeface="Courier"/>
-              </a:rPr>
-              <a:t>library</a:t>
-            </a:r>
-            <a:r>
-              <a:rPr sz="1800" dirty="0">
-                <a:latin typeface="Courier"/>
-              </a:rPr>
-              <a:t>(haven)</a:t>
-            </a:r>
-            <a:br>
-              <a:rPr dirty="0"/>
-            </a:br>
-            <a:br>
-              <a:rPr dirty="0"/>
-            </a:br>
-            <a:r>
-              <a:rPr sz="1800" i="1" dirty="0">
-                <a:solidFill>
-                  <a:srgbClr val="60A0B0"/>
-                </a:solidFill>
-                <a:latin typeface="Courier"/>
-              </a:rPr>
-              <a:t># read in data</a:t>
-            </a:r>
-            <a:br>
-              <a:rPr dirty="0"/>
-            </a:br>
-            <a:r>
-              <a:rPr sz="1800" dirty="0">
-                <a:latin typeface="Courier"/>
-              </a:rPr>
-              <a:t>df &lt;-</a:t>
-            </a:r>
-            <a:r>
-              <a:rPr sz="1800" dirty="0">
-                <a:solidFill>
-                  <a:srgbClr val="4070A0"/>
-                </a:solidFill>
-                <a:latin typeface="Courier"/>
-              </a:rPr>
-              <a:t> </a:t>
-            </a:r>
-            <a:r>
-              <a:rPr sz="1800" b="1" dirty="0" err="1">
-                <a:solidFill>
-                  <a:srgbClr val="007020"/>
-                </a:solidFill>
-                <a:latin typeface="Courier"/>
-              </a:rPr>
-              <a:t>read_dta</a:t>
-            </a:r>
-            <a:r>
-              <a:rPr sz="1800" dirty="0">
-                <a:latin typeface="Courier"/>
-              </a:rPr>
-              <a:t>(</a:t>
-            </a:r>
-            <a:r>
-              <a:rPr sz="1800" dirty="0">
-                <a:solidFill>
-                  <a:srgbClr val="4070A0"/>
-                </a:solidFill>
-                <a:latin typeface="Courier"/>
-              </a:rPr>
-              <a:t>"</a:t>
-            </a:r>
-            <a:r>
-              <a:rPr sz="1800" dirty="0" err="1">
-                <a:solidFill>
-                  <a:srgbClr val="4070A0"/>
-                </a:solidFill>
-                <a:latin typeface="Courier"/>
-              </a:rPr>
-              <a:t>my_data.dta</a:t>
-            </a:r>
-            <a:r>
-              <a:rPr sz="1800" dirty="0">
-                <a:solidFill>
-                  <a:srgbClr val="4070A0"/>
-                </a:solidFill>
-                <a:latin typeface="Courier"/>
-              </a:rPr>
-              <a:t>"</a:t>
-            </a:r>
-            <a:r>
-              <a:rPr sz="1800" dirty="0">
-                <a:latin typeface="Courier"/>
-              </a:rPr>
-              <a:t>)</a:t>
-            </a:r>
-            <a:br>
-              <a:rPr dirty="0"/>
-            </a:br>
-            <a:br>
-              <a:rPr dirty="0"/>
-            </a:br>
-            <a:r>
-              <a:rPr sz="1800" i="1" dirty="0">
-                <a:solidFill>
-                  <a:srgbClr val="60A0B0"/>
-                </a:solidFill>
-                <a:latin typeface="Courier"/>
-              </a:rPr>
-              <a:t># structure of the script:</a:t>
-            </a:r>
-            <a:br>
-              <a:rPr dirty="0"/>
-            </a:br>
-            <a:r>
-              <a:rPr sz="1800" i="1" dirty="0">
-                <a:solidFill>
-                  <a:srgbClr val="60A0B0"/>
-                </a:solidFill>
-                <a:latin typeface="Courier"/>
-              </a:rPr>
-              <a:t># 1. Extract the smoking variables</a:t>
-            </a:r>
-            <a:br>
-              <a:rPr dirty="0"/>
-            </a:br>
-            <a:r>
-              <a:rPr sz="1800" i="1" dirty="0">
-                <a:solidFill>
-                  <a:srgbClr val="60A0B0"/>
-                </a:solidFill>
-                <a:latin typeface="Courier"/>
-              </a:rPr>
-              <a:t># 2. Exclude individuals with withdrawn consent and too much missing data</a:t>
-            </a:r>
-            <a:br>
-              <a:rPr dirty="0"/>
-            </a:br>
-            <a:r>
-              <a:rPr sz="1800" i="1" dirty="0">
-                <a:solidFill>
-                  <a:srgbClr val="60A0B0"/>
-                </a:solidFill>
-                <a:latin typeface="Courier"/>
-              </a:rPr>
-              <a:t># 3. Generate pack years variable </a:t>
-            </a:r>
-            <a:br>
-              <a:rPr dirty="0"/>
-            </a:br>
-            <a:r>
-              <a:rPr sz="1800" i="1" dirty="0">
-                <a:solidFill>
-                  <a:srgbClr val="60A0B0"/>
-                </a:solidFill>
-                <a:latin typeface="Courier"/>
-              </a:rPr>
-              <a:t># 4. Check for outliers</a:t>
-            </a:r>
-            <a:br>
-              <a:rPr dirty="0"/>
-            </a:br>
-            <a:r>
-              <a:rPr sz="1800" i="1" dirty="0">
-                <a:solidFill>
-                  <a:srgbClr val="60A0B0"/>
-                </a:solidFill>
-                <a:latin typeface="Courier"/>
-              </a:rPr>
-              <a:t># 5. Write out a table with identifiers and pack years variables</a:t>
-            </a:r>
-          </a:p>
-        </p:txBody>
-      </p:sp>
+          <a:bodyPr/>
+          <a:lstStyle/>
+          <a:p>
+            <a:pPr lvl="1"/>
+            <a:r>
+              <a:rPr/>
+              <a:t>Think about it and write it down!</a:t>
+            </a:r>
+          </a:p>
+          <a:p>
+            <a:pPr lvl="2"/>
+            <a:r>
+              <a:rPr/>
+              <a:t>e.g. clean a dataset OR assess association between x and y</a:t>
+            </a:r>
+          </a:p>
+          <a:p>
+            <a:pPr lvl="1"/>
+            <a:r>
+              <a:rPr/>
+              <a:t>Give the script a good name, write a descriptive title + add a couple of lines that describe the purpose of the script</a:t>
+            </a:r>
+          </a:p>
+        </p:txBody>
+      </p:sp>
+      <p:pic>
+        <p:nvPicPr>
+          <p:cNvPr descr="../slides/figures/title-example.png" id="0" name="Picture 1"/>
+          <p:cNvPicPr>
+            <a:picLocks noGrp="1" noChangeAspect="1"/>
+          </p:cNvPicPr>
+          <p:nvPr/>
+        </p:nvPicPr>
+        <p:blipFill>
+          <a:blip r:embed="rId2"/>
+          <a:stretch>
+            <a:fillRect/>
+          </a:stretch>
+        </p:blipFill>
+        <p:spPr bwMode="auto">
+          <a:xfrm>
+            <a:off x="6172200" y="2527300"/>
+            <a:ext cx="5524500" cy="2832100"/>
+          </a:xfrm>
+          <a:prstGeom prst="rect">
+            <a:avLst/>
+          </a:prstGeom>
+          <a:noFill/>
+          <a:ln w="9525">
+            <a:noFill/>
+            <a:headEnd/>
+            <a:tailEnd/>
+          </a:ln>
+        </p:spPr>
+      </p:pic>
     </p:spTree>
   </p:cSld>
-  <p:clrMapOvr>
-    <a:masterClrMapping/>
-  </p:clrMapOvr>
 </p:sld>
 </file>
 

--- a/slides/how_to_write_a_script.pptx
+++ b/slides/how_to_write_a_script.pptx
@@ -3938,7 +3938,7 @@
             </a:pPr>
             <a:r>
               <a:rPr/>
-              <a:t>These need different functions to read them in, some of which are only available with certain packages.</a:t>
+              <a:t>These need different functions to read them in, some of which are only available with certain packages – will be covered in more detail in the “managing data” session.</a:t>
             </a:r>
           </a:p>
         </p:txBody>
@@ -4868,6 +4868,44 @@
                 <a:hlinkClick r:id="rId3"/>
               </a:rPr>
               <a:t>https://github.com/thomasbattram/how_to_write_a_script</a:t>
+            </a:r>
+          </a:p>
+          <a:p>
+            <a:pPr lvl="0" marL="0" indent="0">
+              <a:buNone/>
+            </a:pPr>
+          </a:p>
+          <a:p>
+            <a:pPr lvl="1"/>
+            <a:r>
+              <a:rPr/>
+              <a:t>For the curious:</a:t>
+            </a:r>
+          </a:p>
+          <a:p>
+            <a:pPr lvl="2"/>
+            <a:r>
+              <a:rPr/>
+              <a:t>Rationale for github: </a:t>
+            </a:r>
+            <a:r>
+              <a:rPr>
+                <a:hlinkClick r:id="rId4"/>
+              </a:rPr>
+              <a:t>https://guides.github.com/introduction/git-handbook/</a:t>
+            </a:r>
+          </a:p>
+          <a:p>
+            <a:pPr lvl="2"/>
+            <a:r>
+              <a:rPr/>
+              <a:t>Quickstart guide: </a:t>
+            </a:r>
+            <a:r>
+              <a:rPr>
+                <a:hlinkClick r:id="rId5"/>
+              </a:rPr>
+              <a:t>https://guides.github.com/activities/hello-world/</a:t>
             </a:r>
           </a:p>
         </p:txBody>
